--- a/docs/CodeReview_FinalPresentation.pptx
+++ b/docs/CodeReview_FinalPresentation.pptx
@@ -11,6 +11,8 @@
     <p:sldId id="262" r:id="rId5"/>
     <p:sldId id="258" r:id="rId6"/>
     <p:sldId id="259" r:id="rId7"/>
+    <p:sldId id="263" r:id="rId8"/>
+    <p:sldId id="264" r:id="rId9"/>
   </p:sldIdLst>
   <p:sldSz cx="12192000" cy="6858000"/>
   <p:notesSz cx="6858000" cy="9144000"/>
@@ -6762,6 +6764,601 @@
 </p:sld>
 </file>
 
+<file path=ppt/slides/slide7.xml><?xml version="1.0" encoding="utf-8"?>
+<p:sld xmlns:a="http://schemas.openxmlformats.org/drawingml/2006/main" xmlns:r="http://schemas.openxmlformats.org/officeDocument/2006/relationships" xmlns:p="http://schemas.openxmlformats.org/presentationml/2006/main">
+  <p:cSld>
+    <p:spTree>
+      <p:nvGrpSpPr>
+        <p:cNvPr id="1" name=""/>
+        <p:cNvGrpSpPr/>
+        <p:nvPr/>
+      </p:nvGrpSpPr>
+      <p:grpSpPr>
+        <a:xfrm>
+          <a:off x="0" y="0"/>
+          <a:ext cx="0" cy="0"/>
+          <a:chOff x="0" y="0"/>
+          <a:chExt cx="0" cy="0"/>
+        </a:xfrm>
+      </p:grpSpPr>
+      <p:sp>
+        <p:nvSpPr>
+          <p:cNvPr id="2" name="Title 1">
+            <a:extLst>
+              <a:ext uri="{FF2B5EF4-FFF2-40B4-BE49-F238E27FC236}">
+                <a16:creationId xmlns:a16="http://schemas.microsoft.com/office/drawing/2014/main" id="{9EA16BF0-F0EC-45C1-93F7-EEF95F8FDF65}"/>
+              </a:ext>
+            </a:extLst>
+          </p:cNvPr>
+          <p:cNvSpPr>
+            <a:spLocks noGrp="1"/>
+          </p:cNvSpPr>
+          <p:nvPr>
+            <p:ph type="title"/>
+          </p:nvPr>
+        </p:nvSpPr>
+        <p:spPr>
+          <a:xfrm>
+            <a:off x="767857" y="760921"/>
+            <a:ext cx="3031852" cy="1722419"/>
+          </a:xfrm>
+        </p:spPr>
+        <p:txBody>
+          <a:bodyPr/>
+          <a:lstStyle/>
+          <a:p>
+            <a:pPr algn="ctr"/>
+            <a:r>
+              <a:rPr lang="en-US" dirty="0"/>
+              <a:t>Our biggest coding achievements</a:t>
+            </a:r>
+          </a:p>
+        </p:txBody>
+      </p:sp>
+      <p:sp>
+        <p:nvSpPr>
+          <p:cNvPr id="4" name="Text Placeholder 3">
+            <a:extLst>
+              <a:ext uri="{FF2B5EF4-FFF2-40B4-BE49-F238E27FC236}">
+                <a16:creationId xmlns:a16="http://schemas.microsoft.com/office/drawing/2014/main" id="{3A2D3979-AD75-4071-A7BA-4A09BECD189D}"/>
+              </a:ext>
+            </a:extLst>
+          </p:cNvPr>
+          <p:cNvSpPr>
+            <a:spLocks noGrp="1"/>
+          </p:cNvSpPr>
+          <p:nvPr>
+            <p:ph type="body" sz="half" idx="2"/>
+          </p:nvPr>
+        </p:nvSpPr>
+        <p:spPr/>
+        <p:txBody>
+          <a:bodyPr/>
+          <a:lstStyle/>
+          <a:p>
+            <a:pPr marL="285750" indent="-285750">
+              <a:buClr>
+                <a:srgbClr val="FF4E23"/>
+              </a:buClr>
+              <a:buFont typeface="Wingdings" panose="05000000000000000000" pitchFamily="2" charset="2"/>
+              <a:buChar char="§"/>
+            </a:pPr>
+            <a:r>
+              <a:rPr lang="en-US" dirty="0">
+                <a:solidFill>
+                  <a:schemeClr val="bg1"/>
+                </a:solidFill>
+              </a:rPr>
+              <a:t>Partially functioning login system</a:t>
+            </a:r>
+          </a:p>
+          <a:p>
+            <a:pPr marL="285750" indent="-285750">
+              <a:buClr>
+                <a:srgbClr val="FF4E23"/>
+              </a:buClr>
+              <a:buFont typeface="Wingdings" panose="05000000000000000000" pitchFamily="2" charset="2"/>
+              <a:buChar char="§"/>
+            </a:pPr>
+            <a:r>
+              <a:rPr lang="en-US" dirty="0">
+                <a:solidFill>
+                  <a:schemeClr val="bg1"/>
+                </a:solidFill>
+              </a:rPr>
+              <a:t>Functioning registration system which pushes new user information into a hosted database with a POST request</a:t>
+            </a:r>
+          </a:p>
+          <a:p>
+            <a:pPr marL="285750" indent="-285750">
+              <a:buClr>
+                <a:srgbClr val="FF4E23"/>
+              </a:buClr>
+              <a:buFont typeface="Wingdings" panose="05000000000000000000" pitchFamily="2" charset="2"/>
+              <a:buChar char="§"/>
+            </a:pPr>
+            <a:r>
+              <a:rPr lang="en-US" dirty="0">
+                <a:solidFill>
+                  <a:schemeClr val="bg1"/>
+                </a:solidFill>
+              </a:rPr>
+              <a:t>Diff retrieval from a remote directory with a POST request</a:t>
+            </a:r>
+          </a:p>
+        </p:txBody>
+      </p:sp>
+      <p:pic>
+        <p:nvPicPr>
+          <p:cNvPr id="6" name="Picture 5">
+            <a:extLst>
+              <a:ext uri="{FF2B5EF4-FFF2-40B4-BE49-F238E27FC236}">
+                <a16:creationId xmlns:a16="http://schemas.microsoft.com/office/drawing/2014/main" id="{6A4B23B3-AA54-4F44-8ED9-491A11EE6C77}"/>
+              </a:ext>
+            </a:extLst>
+          </p:cNvPr>
+          <p:cNvPicPr>
+            <a:picLocks noChangeAspect="1"/>
+          </p:cNvPicPr>
+          <p:nvPr/>
+        </p:nvPicPr>
+        <p:blipFill>
+          <a:blip r:embed="rId2"/>
+          <a:stretch>
+            <a:fillRect/>
+          </a:stretch>
+        </p:blipFill>
+        <p:spPr>
+          <a:xfrm>
+            <a:off x="4556238" y="1528752"/>
+            <a:ext cx="7260976" cy="3955980"/>
+          </a:xfrm>
+          <a:prstGeom prst="rect">
+            <a:avLst/>
+          </a:prstGeom>
+        </p:spPr>
+      </p:pic>
+      <p:pic>
+        <p:nvPicPr>
+          <p:cNvPr id="7" name="Picture 6">
+            <a:extLst>
+              <a:ext uri="{FF2B5EF4-FFF2-40B4-BE49-F238E27FC236}">
+                <a16:creationId xmlns:a16="http://schemas.microsoft.com/office/drawing/2014/main" id="{4EFD1028-7C76-4950-B1CF-053810A5F546}"/>
+              </a:ext>
+            </a:extLst>
+          </p:cNvPr>
+          <p:cNvPicPr>
+            <a:picLocks noChangeAspect="1"/>
+          </p:cNvPicPr>
+          <p:nvPr/>
+        </p:nvPicPr>
+        <p:blipFill>
+          <a:blip r:embed="rId3"/>
+          <a:stretch>
+            <a:fillRect/>
+          </a:stretch>
+        </p:blipFill>
+        <p:spPr>
+          <a:xfrm>
+            <a:off x="4673474" y="2093607"/>
+            <a:ext cx="7026504" cy="2826270"/>
+          </a:xfrm>
+          <a:prstGeom prst="rect">
+            <a:avLst/>
+          </a:prstGeom>
+        </p:spPr>
+      </p:pic>
+      <p:pic>
+        <p:nvPicPr>
+          <p:cNvPr id="8" name="Picture 7">
+            <a:extLst>
+              <a:ext uri="{FF2B5EF4-FFF2-40B4-BE49-F238E27FC236}">
+                <a16:creationId xmlns:a16="http://schemas.microsoft.com/office/drawing/2014/main" id="{84AB1A32-40CF-4145-ADBF-036E4045AAB6}"/>
+              </a:ext>
+            </a:extLst>
+          </p:cNvPr>
+          <p:cNvPicPr>
+            <a:picLocks noChangeAspect="1"/>
+          </p:cNvPicPr>
+          <p:nvPr/>
+        </p:nvPicPr>
+        <p:blipFill>
+          <a:blip r:embed="rId4"/>
+          <a:stretch>
+            <a:fillRect/>
+          </a:stretch>
+        </p:blipFill>
+        <p:spPr>
+          <a:xfrm>
+            <a:off x="4614856" y="1732993"/>
+            <a:ext cx="7143740" cy="3547498"/>
+          </a:xfrm>
+          <a:prstGeom prst="rect">
+            <a:avLst/>
+          </a:prstGeom>
+        </p:spPr>
+      </p:pic>
+    </p:spTree>
+    <p:extLst>
+      <p:ext uri="{BB962C8B-B14F-4D97-AF65-F5344CB8AC3E}">
+        <p14:creationId xmlns:p14="http://schemas.microsoft.com/office/powerpoint/2010/main" val="2073913199"/>
+      </p:ext>
+    </p:extLst>
+  </p:cSld>
+  <p:clrMapOvr>
+    <a:masterClrMapping/>
+  </p:clrMapOvr>
+  <p:timing>
+    <p:tnLst>
+      <p:par>
+        <p:cTn id="1" dur="indefinite" restart="never" nodeType="tmRoot">
+          <p:childTnLst>
+            <p:seq concurrent="1" nextAc="seek">
+              <p:cTn id="2" dur="indefinite" nodeType="mainSeq">
+                <p:childTnLst>
+                  <p:par>
+                    <p:cTn id="3" fill="hold">
+                      <p:stCondLst>
+                        <p:cond delay="indefinite"/>
+                      </p:stCondLst>
+                      <p:childTnLst>
+                        <p:par>
+                          <p:cTn id="4" fill="hold">
+                            <p:stCondLst>
+                              <p:cond delay="0"/>
+                            </p:stCondLst>
+                            <p:childTnLst>
+                              <p:par>
+                                <p:cTn id="5" presetID="1" presetClass="entr" presetSubtype="0" fill="hold" nodeType="clickEffect">
+                                  <p:stCondLst>
+                                    <p:cond delay="0"/>
+                                  </p:stCondLst>
+                                  <p:childTnLst>
+                                    <p:set>
+                                      <p:cBhvr>
+                                        <p:cTn id="6" dur="1" fill="hold">
+                                          <p:stCondLst>
+                                            <p:cond delay="0"/>
+                                          </p:stCondLst>
+                                        </p:cTn>
+                                        <p:tgtEl>
+                                          <p:spTgt spid="4">
+                                            <p:txEl>
+                                              <p:pRg st="0" end="0"/>
+                                            </p:txEl>
+                                          </p:spTgt>
+                                        </p:tgtEl>
+                                        <p:attrNameLst>
+                                          <p:attrName>style.visibility</p:attrName>
+                                        </p:attrNameLst>
+                                      </p:cBhvr>
+                                      <p:to>
+                                        <p:strVal val="visible"/>
+                                      </p:to>
+                                    </p:set>
+                                  </p:childTnLst>
+                                </p:cTn>
+                              </p:par>
+                              <p:par>
+                                <p:cTn id="7" presetID="1" presetClass="entr" presetSubtype="0" fill="hold" nodeType="withEffect">
+                                  <p:stCondLst>
+                                    <p:cond delay="0"/>
+                                  </p:stCondLst>
+                                  <p:childTnLst>
+                                    <p:set>
+                                      <p:cBhvr>
+                                        <p:cTn id="8" dur="1" fill="hold">
+                                          <p:stCondLst>
+                                            <p:cond delay="0"/>
+                                          </p:stCondLst>
+                                        </p:cTn>
+                                        <p:tgtEl>
+                                          <p:spTgt spid="6"/>
+                                        </p:tgtEl>
+                                        <p:attrNameLst>
+                                          <p:attrName>style.visibility</p:attrName>
+                                        </p:attrNameLst>
+                                      </p:cBhvr>
+                                      <p:to>
+                                        <p:strVal val="visible"/>
+                                      </p:to>
+                                    </p:set>
+                                  </p:childTnLst>
+                                </p:cTn>
+                              </p:par>
+                            </p:childTnLst>
+                          </p:cTn>
+                        </p:par>
+                      </p:childTnLst>
+                    </p:cTn>
+                  </p:par>
+                  <p:par>
+                    <p:cTn id="9" fill="hold">
+                      <p:stCondLst>
+                        <p:cond delay="indefinite"/>
+                      </p:stCondLst>
+                      <p:childTnLst>
+                        <p:par>
+                          <p:cTn id="10" fill="hold">
+                            <p:stCondLst>
+                              <p:cond delay="0"/>
+                            </p:stCondLst>
+                            <p:childTnLst>
+                              <p:par>
+                                <p:cTn id="11" presetID="1" presetClass="entr" presetSubtype="0" fill="hold" nodeType="clickEffect">
+                                  <p:stCondLst>
+                                    <p:cond delay="0"/>
+                                  </p:stCondLst>
+                                  <p:childTnLst>
+                                    <p:set>
+                                      <p:cBhvr>
+                                        <p:cTn id="12" dur="1" fill="hold">
+                                          <p:stCondLst>
+                                            <p:cond delay="0"/>
+                                          </p:stCondLst>
+                                        </p:cTn>
+                                        <p:tgtEl>
+                                          <p:spTgt spid="4">
+                                            <p:txEl>
+                                              <p:pRg st="1" end="1"/>
+                                            </p:txEl>
+                                          </p:spTgt>
+                                        </p:tgtEl>
+                                        <p:attrNameLst>
+                                          <p:attrName>style.visibility</p:attrName>
+                                        </p:attrNameLst>
+                                      </p:cBhvr>
+                                      <p:to>
+                                        <p:strVal val="visible"/>
+                                      </p:to>
+                                    </p:set>
+                                  </p:childTnLst>
+                                </p:cTn>
+                              </p:par>
+                              <p:par>
+                                <p:cTn id="13" presetID="1" presetClass="exit" presetSubtype="0" fill="hold" nodeType="withEffect">
+                                  <p:stCondLst>
+                                    <p:cond delay="0"/>
+                                  </p:stCondLst>
+                                  <p:childTnLst>
+                                    <p:set>
+                                      <p:cBhvr>
+                                        <p:cTn id="14" dur="1" fill="hold">
+                                          <p:stCondLst>
+                                            <p:cond delay="0"/>
+                                          </p:stCondLst>
+                                        </p:cTn>
+                                        <p:tgtEl>
+                                          <p:spTgt spid="6"/>
+                                        </p:tgtEl>
+                                        <p:attrNameLst>
+                                          <p:attrName>style.visibility</p:attrName>
+                                        </p:attrNameLst>
+                                      </p:cBhvr>
+                                      <p:to>
+                                        <p:strVal val="hidden"/>
+                                      </p:to>
+                                    </p:set>
+                                  </p:childTnLst>
+                                </p:cTn>
+                              </p:par>
+                              <p:par>
+                                <p:cTn id="15" presetID="1" presetClass="entr" presetSubtype="0" fill="hold" nodeType="withEffect">
+                                  <p:stCondLst>
+                                    <p:cond delay="0"/>
+                                  </p:stCondLst>
+                                  <p:childTnLst>
+                                    <p:set>
+                                      <p:cBhvr>
+                                        <p:cTn id="16" dur="1" fill="hold">
+                                          <p:stCondLst>
+                                            <p:cond delay="0"/>
+                                          </p:stCondLst>
+                                        </p:cTn>
+                                        <p:tgtEl>
+                                          <p:spTgt spid="7"/>
+                                        </p:tgtEl>
+                                        <p:attrNameLst>
+                                          <p:attrName>style.visibility</p:attrName>
+                                        </p:attrNameLst>
+                                      </p:cBhvr>
+                                      <p:to>
+                                        <p:strVal val="visible"/>
+                                      </p:to>
+                                    </p:set>
+                                  </p:childTnLst>
+                                </p:cTn>
+                              </p:par>
+                            </p:childTnLst>
+                          </p:cTn>
+                        </p:par>
+                      </p:childTnLst>
+                    </p:cTn>
+                  </p:par>
+                  <p:par>
+                    <p:cTn id="17" fill="hold">
+                      <p:stCondLst>
+                        <p:cond delay="indefinite"/>
+                      </p:stCondLst>
+                      <p:childTnLst>
+                        <p:par>
+                          <p:cTn id="18" fill="hold">
+                            <p:stCondLst>
+                              <p:cond delay="0"/>
+                            </p:stCondLst>
+                            <p:childTnLst>
+                              <p:par>
+                                <p:cTn id="19" presetID="1" presetClass="entr" presetSubtype="0" fill="hold" nodeType="clickEffect">
+                                  <p:stCondLst>
+                                    <p:cond delay="0"/>
+                                  </p:stCondLst>
+                                  <p:childTnLst>
+                                    <p:set>
+                                      <p:cBhvr>
+                                        <p:cTn id="20" dur="1" fill="hold">
+                                          <p:stCondLst>
+                                            <p:cond delay="0"/>
+                                          </p:stCondLst>
+                                        </p:cTn>
+                                        <p:tgtEl>
+                                          <p:spTgt spid="4">
+                                            <p:txEl>
+                                              <p:pRg st="2" end="2"/>
+                                            </p:txEl>
+                                          </p:spTgt>
+                                        </p:tgtEl>
+                                        <p:attrNameLst>
+                                          <p:attrName>style.visibility</p:attrName>
+                                        </p:attrNameLst>
+                                      </p:cBhvr>
+                                      <p:to>
+                                        <p:strVal val="visible"/>
+                                      </p:to>
+                                    </p:set>
+                                  </p:childTnLst>
+                                </p:cTn>
+                              </p:par>
+                              <p:par>
+                                <p:cTn id="21" presetID="1" presetClass="entr" presetSubtype="0" fill="hold" nodeType="withEffect">
+                                  <p:stCondLst>
+                                    <p:cond delay="0"/>
+                                  </p:stCondLst>
+                                  <p:childTnLst>
+                                    <p:set>
+                                      <p:cBhvr>
+                                        <p:cTn id="22" dur="1" fill="hold">
+                                          <p:stCondLst>
+                                            <p:cond delay="0"/>
+                                          </p:stCondLst>
+                                        </p:cTn>
+                                        <p:tgtEl>
+                                          <p:spTgt spid="8"/>
+                                        </p:tgtEl>
+                                        <p:attrNameLst>
+                                          <p:attrName>style.visibility</p:attrName>
+                                        </p:attrNameLst>
+                                      </p:cBhvr>
+                                      <p:to>
+                                        <p:strVal val="visible"/>
+                                      </p:to>
+                                    </p:set>
+                                  </p:childTnLst>
+                                </p:cTn>
+                              </p:par>
+                            </p:childTnLst>
+                          </p:cTn>
+                        </p:par>
+                      </p:childTnLst>
+                    </p:cTn>
+                  </p:par>
+                </p:childTnLst>
+              </p:cTn>
+              <p:prevCondLst>
+                <p:cond evt="onPrev" delay="0">
+                  <p:tgtEl>
+                    <p:sldTgt/>
+                  </p:tgtEl>
+                </p:cond>
+              </p:prevCondLst>
+              <p:nextCondLst>
+                <p:cond evt="onNext" delay="0">
+                  <p:tgtEl>
+                    <p:sldTgt/>
+                  </p:tgtEl>
+                </p:cond>
+              </p:nextCondLst>
+            </p:seq>
+          </p:childTnLst>
+        </p:cTn>
+      </p:par>
+    </p:tnLst>
+  </p:timing>
+</p:sld>
+</file>
+
+<file path=ppt/slides/slide8.xml><?xml version="1.0" encoding="utf-8"?>
+<p:sld xmlns:a="http://schemas.openxmlformats.org/drawingml/2006/main" xmlns:r="http://schemas.openxmlformats.org/officeDocument/2006/relationships" xmlns:p="http://schemas.openxmlformats.org/presentationml/2006/main">
+  <p:cSld>
+    <p:spTree>
+      <p:nvGrpSpPr>
+        <p:cNvPr id="1" name=""/>
+        <p:cNvGrpSpPr/>
+        <p:nvPr/>
+      </p:nvGrpSpPr>
+      <p:grpSpPr>
+        <a:xfrm>
+          <a:off x="0" y="0"/>
+          <a:ext cx="0" cy="0"/>
+          <a:chOff x="0" y="0"/>
+          <a:chExt cx="0" cy="0"/>
+        </a:xfrm>
+      </p:grpSpPr>
+      <p:sp>
+        <p:nvSpPr>
+          <p:cNvPr id="2" name="Title 1">
+            <a:extLst>
+              <a:ext uri="{FF2B5EF4-FFF2-40B4-BE49-F238E27FC236}">
+                <a16:creationId xmlns:a16="http://schemas.microsoft.com/office/drawing/2014/main" id="{757AFBA8-5DBB-4610-9DF7-1D8272954C48}"/>
+              </a:ext>
+            </a:extLst>
+          </p:cNvPr>
+          <p:cNvSpPr>
+            <a:spLocks noGrp="1"/>
+          </p:cNvSpPr>
+          <p:nvPr>
+            <p:ph type="title"/>
+          </p:nvPr>
+        </p:nvSpPr>
+        <p:spPr/>
+        <p:txBody>
+          <a:bodyPr/>
+          <a:lstStyle/>
+          <a:p>
+            <a:r>
+              <a:rPr lang="en-US" dirty="0"/>
+              <a:t>Testing efforts (headaches)</a:t>
+            </a:r>
+          </a:p>
+        </p:txBody>
+      </p:sp>
+      <p:sp>
+        <p:nvSpPr>
+          <p:cNvPr id="4" name="Text Placeholder 3">
+            <a:extLst>
+              <a:ext uri="{FF2B5EF4-FFF2-40B4-BE49-F238E27FC236}">
+                <a16:creationId xmlns:a16="http://schemas.microsoft.com/office/drawing/2014/main" id="{B09FEFC5-2D62-4A63-918D-C6372B2BB0A2}"/>
+              </a:ext>
+            </a:extLst>
+          </p:cNvPr>
+          <p:cNvSpPr>
+            <a:spLocks noGrp="1"/>
+          </p:cNvSpPr>
+          <p:nvPr>
+            <p:ph type="body" sz="half" idx="2"/>
+          </p:nvPr>
+        </p:nvSpPr>
+        <p:spPr/>
+        <p:txBody>
+          <a:bodyPr/>
+          <a:lstStyle/>
+          <a:p>
+            <a:endParaRPr lang="en-US" dirty="0"/>
+          </a:p>
+        </p:txBody>
+      </p:sp>
+    </p:spTree>
+    <p:extLst>
+      <p:ext uri="{BB962C8B-B14F-4D97-AF65-F5344CB8AC3E}">
+        <p14:creationId xmlns:p14="http://schemas.microsoft.com/office/powerpoint/2010/main" val="561843426"/>
+      </p:ext>
+    </p:extLst>
+  </p:cSld>
+  <p:clrMapOvr>
+    <a:masterClrMapping/>
+  </p:clrMapOvr>
+</p:sld>
+</file>
+
 <file path=ppt/theme/theme1.xml><?xml version="1.0" encoding="utf-8"?>
 <a:theme xmlns:a="http://schemas.openxmlformats.org/drawingml/2006/main" name="DividendVTI">
   <a:themeElements>

--- a/docs/CodeReview_FinalPresentation.pptx
+++ b/docs/CodeReview_FinalPresentation.pptx
@@ -339,7 +339,7 @@
           <p:cNvPr id="8" name="Date Placeholder 7">
             <a:extLst>
               <a:ext uri="{FF2B5EF4-FFF2-40B4-BE49-F238E27FC236}">
-                <a16:creationId xmlns:a16="http://schemas.microsoft.com/office/drawing/2014/main" xmlns="" id="{7FA0ACE7-29A8-47D3-A7D9-257B711D8023}"/>
+                <a16:creationId xmlns:a16="http://schemas.microsoft.com/office/drawing/2014/main" id="{7FA0ACE7-29A8-47D3-A7D9-257B711D8023}"/>
               </a:ext>
             </a:extLst>
           </p:cNvPr>
@@ -357,7 +357,7 @@
           <a:p>
             <a:fld id="{ED291B17-9318-49DB-B28B-6E5994AE9581}" type="datetime1">
               <a:rPr lang="en-US" smtClean="0"/>
-              <a:t>12/2/20</a:t>
+              <a:t>12/2/2020</a:t>
             </a:fld>
             <a:endParaRPr lang="en-US" dirty="0"/>
           </a:p>
@@ -368,7 +368,7 @@
           <p:cNvPr id="9" name="Footer Placeholder 8">
             <a:extLst>
               <a:ext uri="{FF2B5EF4-FFF2-40B4-BE49-F238E27FC236}">
-                <a16:creationId xmlns:a16="http://schemas.microsoft.com/office/drawing/2014/main" xmlns="" id="{DEC604B9-52E9-4810-8359-47206518D038}"/>
+                <a16:creationId xmlns:a16="http://schemas.microsoft.com/office/drawing/2014/main" id="{DEC604B9-52E9-4810-8359-47206518D038}"/>
               </a:ext>
             </a:extLst>
           </p:cNvPr>
@@ -393,7 +393,7 @@
           <p:cNvPr id="10" name="Slide Number Placeholder 9">
             <a:extLst>
               <a:ext uri="{FF2B5EF4-FFF2-40B4-BE49-F238E27FC236}">
-                <a16:creationId xmlns:a16="http://schemas.microsoft.com/office/drawing/2014/main" xmlns="" id="{5898A89F-CA25-400F-B05A-AECBF2517E4F}"/>
+                <a16:creationId xmlns:a16="http://schemas.microsoft.com/office/drawing/2014/main" id="{5898A89F-CA25-400F-B05A-AECBF2517E4F}"/>
               </a:ext>
             </a:extLst>
           </p:cNvPr>
@@ -560,7 +560,7 @@
           <a:p>
             <a:fld id="{2CED4963-E985-44C4-B8C4-FDD613B7C2F8}" type="datetime1">
               <a:rPr lang="en-US" smtClean="0"/>
-              <a:t>12/2/20</a:t>
+              <a:t>12/2/2020</a:t>
             </a:fld>
             <a:endParaRPr lang="en-US" dirty="0"/>
           </a:p>
@@ -775,7 +775,7 @@
           <p:cNvPr id="8" name="Rectangle 7">
             <a:extLst>
               <a:ext uri="{FF2B5EF4-FFF2-40B4-BE49-F238E27FC236}">
-                <a16:creationId xmlns:a16="http://schemas.microsoft.com/office/drawing/2014/main" xmlns="" id="{F6423B97-A5D4-47B9-8861-73B3707A04CF}"/>
+                <a16:creationId xmlns:a16="http://schemas.microsoft.com/office/drawing/2014/main" id="{F6423B97-A5D4-47B9-8861-73B3707A04CF}"/>
               </a:ext>
             </a:extLst>
           </p:cNvPr>
@@ -818,7 +818,7 @@
           <p:cNvPr id="9" name="Rectangle 8">
             <a:extLst>
               <a:ext uri="{FF2B5EF4-FFF2-40B4-BE49-F238E27FC236}">
-                <a16:creationId xmlns:a16="http://schemas.microsoft.com/office/drawing/2014/main" xmlns="" id="{1AEC0421-37B4-4481-A10D-69FDF5EC7909}"/>
+                <a16:creationId xmlns:a16="http://schemas.microsoft.com/office/drawing/2014/main" id="{1AEC0421-37B4-4481-A10D-69FDF5EC7909}"/>
               </a:ext>
             </a:extLst>
           </p:cNvPr>
@@ -861,7 +861,7 @@
           <p:cNvPr id="10" name="Rectangle 9">
             <a:extLst>
               <a:ext uri="{FF2B5EF4-FFF2-40B4-BE49-F238E27FC236}">
-                <a16:creationId xmlns:a16="http://schemas.microsoft.com/office/drawing/2014/main" xmlns="" id="{5F7265B5-9F97-4F1E-99E9-74F7B7E62337}"/>
+                <a16:creationId xmlns:a16="http://schemas.microsoft.com/office/drawing/2014/main" id="{5F7265B5-9F97-4F1E-99E9-74F7B7E62337}"/>
               </a:ext>
             </a:extLst>
           </p:cNvPr>
@@ -904,7 +904,7 @@
           <p:cNvPr id="11" name="Date Placeholder 10">
             <a:extLst>
               <a:ext uri="{FF2B5EF4-FFF2-40B4-BE49-F238E27FC236}">
-                <a16:creationId xmlns:a16="http://schemas.microsoft.com/office/drawing/2014/main" xmlns="" id="{5C74A470-3BD3-4F33-80E5-67E6E87FCBE7}"/>
+                <a16:creationId xmlns:a16="http://schemas.microsoft.com/office/drawing/2014/main" id="{5C74A470-3BD3-4F33-80E5-67E6E87FCBE7}"/>
               </a:ext>
             </a:extLst>
           </p:cNvPr>
@@ -922,7 +922,7 @@
           <a:p>
             <a:fld id="{ED291B17-9318-49DB-B28B-6E5994AE9581}" type="datetime1">
               <a:rPr lang="en-US" smtClean="0"/>
-              <a:t>12/2/20</a:t>
+              <a:t>12/2/2020</a:t>
             </a:fld>
             <a:endParaRPr lang="en-US" dirty="0"/>
           </a:p>
@@ -933,7 +933,7 @@
           <p:cNvPr id="12" name="Footer Placeholder 11">
             <a:extLst>
               <a:ext uri="{FF2B5EF4-FFF2-40B4-BE49-F238E27FC236}">
-                <a16:creationId xmlns:a16="http://schemas.microsoft.com/office/drawing/2014/main" xmlns="" id="{9A3A30BA-DB50-4D7D-BCDE-17D20FB354DF}"/>
+                <a16:creationId xmlns:a16="http://schemas.microsoft.com/office/drawing/2014/main" id="{9A3A30BA-DB50-4D7D-BCDE-17D20FB354DF}"/>
               </a:ext>
             </a:extLst>
           </p:cNvPr>
@@ -958,7 +958,7 @@
           <p:cNvPr id="13" name="Slide Number Placeholder 12">
             <a:extLst>
               <a:ext uri="{FF2B5EF4-FFF2-40B4-BE49-F238E27FC236}">
-                <a16:creationId xmlns:a16="http://schemas.microsoft.com/office/drawing/2014/main" xmlns="" id="{76FF9E58-C0B2-436B-A21C-DB45A00D6515}"/>
+                <a16:creationId xmlns:a16="http://schemas.microsoft.com/office/drawing/2014/main" id="{76FF9E58-C0B2-436B-A21C-DB45A00D6515}"/>
               </a:ext>
             </a:extLst>
           </p:cNvPr>
@@ -1102,7 +1102,7 @@
           <p:cNvPr id="8" name="Date Placeholder 7">
             <a:extLst>
               <a:ext uri="{FF2B5EF4-FFF2-40B4-BE49-F238E27FC236}">
-                <a16:creationId xmlns:a16="http://schemas.microsoft.com/office/drawing/2014/main" xmlns="" id="{770E6237-3456-439F-802D-3BA93FC7E3E5}"/>
+                <a16:creationId xmlns:a16="http://schemas.microsoft.com/office/drawing/2014/main" id="{770E6237-3456-439F-802D-3BA93FC7E3E5}"/>
               </a:ext>
             </a:extLst>
           </p:cNvPr>
@@ -1120,7 +1120,7 @@
           <a:p>
             <a:fld id="{78DD82B9-B8EE-4375-B6FF-88FA6ABB15D9}" type="datetime1">
               <a:rPr lang="en-US" smtClean="0"/>
-              <a:t>12/2/20</a:t>
+              <a:t>12/2/2020</a:t>
             </a:fld>
             <a:endParaRPr lang="en-US" dirty="0"/>
           </a:p>
@@ -1131,7 +1131,7 @@
           <p:cNvPr id="9" name="Footer Placeholder 8">
             <a:extLst>
               <a:ext uri="{FF2B5EF4-FFF2-40B4-BE49-F238E27FC236}">
-                <a16:creationId xmlns:a16="http://schemas.microsoft.com/office/drawing/2014/main" xmlns="" id="{1356D3B5-6063-4A89-B88F-9D3043916FF8}"/>
+                <a16:creationId xmlns:a16="http://schemas.microsoft.com/office/drawing/2014/main" id="{1356D3B5-6063-4A89-B88F-9D3043916FF8}"/>
               </a:ext>
             </a:extLst>
           </p:cNvPr>
@@ -1156,7 +1156,7 @@
           <p:cNvPr id="10" name="Slide Number Placeholder 9">
             <a:extLst>
               <a:ext uri="{FF2B5EF4-FFF2-40B4-BE49-F238E27FC236}">
-                <a16:creationId xmlns:a16="http://schemas.microsoft.com/office/drawing/2014/main" xmlns="" id="{02B78BF7-69D3-4CE0-A631-50EFD41EEEB8}"/>
+                <a16:creationId xmlns:a16="http://schemas.microsoft.com/office/drawing/2014/main" id="{02B78BF7-69D3-4CE0-A631-50EFD41EEEB8}"/>
               </a:ext>
             </a:extLst>
           </p:cNvPr>
@@ -1414,7 +1414,7 @@
           <p:cNvPr id="7" name="Date Placeholder 6">
             <a:extLst>
               <a:ext uri="{FF2B5EF4-FFF2-40B4-BE49-F238E27FC236}">
-                <a16:creationId xmlns:a16="http://schemas.microsoft.com/office/drawing/2014/main" xmlns="" id="{61582016-5696-4A93-887F-BBB3B9002FE5}"/>
+                <a16:creationId xmlns:a16="http://schemas.microsoft.com/office/drawing/2014/main" id="{61582016-5696-4A93-887F-BBB3B9002FE5}"/>
               </a:ext>
             </a:extLst>
           </p:cNvPr>
@@ -1432,7 +1432,7 @@
           <a:p>
             <a:fld id="{B2497495-0637-405E-AE64-5CC7506D51F5}" type="datetime1">
               <a:rPr lang="en-US" smtClean="0"/>
-              <a:t>12/2/20</a:t>
+              <a:t>12/2/2020</a:t>
             </a:fld>
             <a:endParaRPr lang="en-US" dirty="0"/>
           </a:p>
@@ -1443,7 +1443,7 @@
           <p:cNvPr id="9" name="Footer Placeholder 8">
             <a:extLst>
               <a:ext uri="{FF2B5EF4-FFF2-40B4-BE49-F238E27FC236}">
-                <a16:creationId xmlns:a16="http://schemas.microsoft.com/office/drawing/2014/main" xmlns="" id="{857CFCD5-1192-4E18-8A8F-29E153B44DA4}"/>
+                <a16:creationId xmlns:a16="http://schemas.microsoft.com/office/drawing/2014/main" id="{857CFCD5-1192-4E18-8A8F-29E153B44DA4}"/>
               </a:ext>
             </a:extLst>
           </p:cNvPr>
@@ -1468,7 +1468,7 @@
           <p:cNvPr id="10" name="Slide Number Placeholder 9">
             <a:extLst>
               <a:ext uri="{FF2B5EF4-FFF2-40B4-BE49-F238E27FC236}">
-                <a16:creationId xmlns:a16="http://schemas.microsoft.com/office/drawing/2014/main" xmlns="" id="{E39A109E-5018-4794-92B3-FD5E5BCD95E8}"/>
+                <a16:creationId xmlns:a16="http://schemas.microsoft.com/office/drawing/2014/main" id="{E39A109E-5018-4794-92B3-FD5E5BCD95E8}"/>
               </a:ext>
             </a:extLst>
           </p:cNvPr>
@@ -1685,7 +1685,7 @@
           <a:p>
             <a:fld id="{7BFFD690-9426-415D-8B65-26881E07B2D4}" type="datetime1">
               <a:rPr lang="en-US" smtClean="0"/>
-              <a:t>12/2/20</a:t>
+              <a:t>12/2/2020</a:t>
             </a:fld>
             <a:endParaRPr lang="en-US" dirty="0"/>
           </a:p>
@@ -2107,7 +2107,7 @@
           <a:p>
             <a:fld id="{04C4989A-474C-40DE-95B9-011C28B71673}" type="datetime1">
               <a:rPr lang="en-US" smtClean="0"/>
-              <a:t>12/2/20</a:t>
+              <a:t>12/2/2020</a:t>
             </a:fld>
             <a:endParaRPr lang="en-US" dirty="0"/>
           </a:p>
@@ -2230,7 +2230,7 @@
           <a:p>
             <a:fld id="{5DB4ED54-5B5E-4A04-93D3-5772E3CE3818}" type="datetime1">
               <a:rPr lang="en-US" smtClean="0"/>
-              <a:t>12/2/20</a:t>
+              <a:t>12/2/2020</a:t>
             </a:fld>
             <a:endParaRPr lang="en-US" dirty="0"/>
           </a:p>
@@ -2325,7 +2325,7 @@
           <a:p>
             <a:fld id="{4EDE50D6-574B-40AF-946F-D52A04ADE379}" type="datetime1">
               <a:rPr lang="en-US" smtClean="0"/>
-              <a:t>12/2/20</a:t>
+              <a:t>12/2/2020</a:t>
             </a:fld>
             <a:endParaRPr lang="en-US" dirty="0"/>
           </a:p>
@@ -2679,7 +2679,7 @@
           <p:cNvPr id="8" name="Date Placeholder 7">
             <a:extLst>
               <a:ext uri="{FF2B5EF4-FFF2-40B4-BE49-F238E27FC236}">
-                <a16:creationId xmlns:a16="http://schemas.microsoft.com/office/drawing/2014/main" xmlns="" id="{0B919CC2-2A65-446F-B538-9E6249035445}"/>
+                <a16:creationId xmlns:a16="http://schemas.microsoft.com/office/drawing/2014/main" id="{0B919CC2-2A65-446F-B538-9E6249035445}"/>
               </a:ext>
             </a:extLst>
           </p:cNvPr>
@@ -2702,7 +2702,7 @@
           <a:p>
             <a:fld id="{D82884F1-FFEA-405F-9602-3DCA865EDA4E}" type="datetime1">
               <a:rPr lang="en-US" smtClean="0"/>
-              <a:t>12/2/20</a:t>
+              <a:t>12/2/2020</a:t>
             </a:fld>
             <a:endParaRPr lang="en-US" dirty="0"/>
           </a:p>
@@ -2713,7 +2713,7 @@
           <p:cNvPr id="10" name="Footer Placeholder 9">
             <a:extLst>
               <a:ext uri="{FF2B5EF4-FFF2-40B4-BE49-F238E27FC236}">
-                <a16:creationId xmlns:a16="http://schemas.microsoft.com/office/drawing/2014/main" xmlns="" id="{B72412AE-119E-4982-8B24-63365EFCA796}"/>
+                <a16:creationId xmlns:a16="http://schemas.microsoft.com/office/drawing/2014/main" id="{B72412AE-119E-4982-8B24-63365EFCA796}"/>
               </a:ext>
             </a:extLst>
           </p:cNvPr>
@@ -2743,7 +2743,7 @@
           <p:cNvPr id="11" name="Slide Number Placeholder 10">
             <a:extLst>
               <a:ext uri="{FF2B5EF4-FFF2-40B4-BE49-F238E27FC236}">
-                <a16:creationId xmlns:a16="http://schemas.microsoft.com/office/drawing/2014/main" xmlns="" id="{7FC4BB19-6AD1-45CF-9F99-00B109890FAB}"/>
+                <a16:creationId xmlns:a16="http://schemas.microsoft.com/office/drawing/2014/main" id="{7FC4BB19-6AD1-45CF-9F99-00B109890FAB}"/>
               </a:ext>
             </a:extLst>
           </p:cNvPr>
@@ -2995,7 +2995,7 @@
           <a:p>
             <a:fld id="{7E18DB4A-8810-4A10-AD5C-D5E2C667F5B3}" type="datetime1">
               <a:rPr lang="en-US" smtClean="0"/>
-              <a:t>12/2/20</a:t>
+              <a:t>12/2/2020</a:t>
             </a:fld>
             <a:endParaRPr lang="en-US" dirty="0"/>
           </a:p>
@@ -3210,7 +3210,7 @@
           <a:p>
             <a:fld id="{ED291B17-9318-49DB-B28B-6E5994AE9581}" type="datetime1">
               <a:rPr lang="en-US" smtClean="0"/>
-              <a:t>12/2/20</a:t>
+              <a:t>12/2/2020</a:t>
             </a:fld>
             <a:endParaRPr lang="en-US" dirty="0"/>
           </a:p>
@@ -3867,10 +3867,10 @@
           <p:cNvPr id="33" name="Rectangle 32">
             <a:extLst>
               <a:ext uri="{FF2B5EF4-FFF2-40B4-BE49-F238E27FC236}">
-                <a16:creationId xmlns:a16="http://schemas.microsoft.com/office/drawing/2014/main" xmlns="" id="{910015B9-6046-41B8-83BD-71778D2F9798}"/>
+                <a16:creationId xmlns:a16="http://schemas.microsoft.com/office/drawing/2014/main" id="{910015B9-6046-41B8-83BD-71778D2F9798}"/>
               </a:ext>
               <a:ext uri="{C183D7F6-B498-43B3-948B-1728B52AA6E4}">
-                <adec:decorative xmlns:adec="http://schemas.microsoft.com/office/drawing/2017/decorative" xmlns="" val="1"/>
+                <adec:decorative xmlns:adec="http://schemas.microsoft.com/office/drawing/2017/decorative" val="1"/>
               </a:ext>
             </a:extLst>
           </p:cNvPr>
@@ -3921,10 +3921,10 @@
           <p:cNvPr id="35" name="Rectangle 34">
             <a:extLst>
               <a:ext uri="{FF2B5EF4-FFF2-40B4-BE49-F238E27FC236}">
-                <a16:creationId xmlns:a16="http://schemas.microsoft.com/office/drawing/2014/main" xmlns="" id="{53908232-52E2-4794-A6C1-54300FB98919}"/>
+                <a16:creationId xmlns:a16="http://schemas.microsoft.com/office/drawing/2014/main" id="{53908232-52E2-4794-A6C1-54300FB98919}"/>
               </a:ext>
               <a:ext uri="{C183D7F6-B498-43B3-948B-1728B52AA6E4}">
-                <adec:decorative xmlns:adec="http://schemas.microsoft.com/office/drawing/2017/decorative" xmlns="" val="1"/>
+                <adec:decorative xmlns:adec="http://schemas.microsoft.com/office/drawing/2017/decorative" val="1"/>
               </a:ext>
             </a:extLst>
           </p:cNvPr>
@@ -3975,10 +3975,10 @@
           <p:cNvPr id="37" name="Rectangle 36">
             <a:extLst>
               <a:ext uri="{FF2B5EF4-FFF2-40B4-BE49-F238E27FC236}">
-                <a16:creationId xmlns:a16="http://schemas.microsoft.com/office/drawing/2014/main" xmlns="" id="{D2B9299F-BED7-44C5-9CC5-E542F9193C2F}"/>
+                <a16:creationId xmlns:a16="http://schemas.microsoft.com/office/drawing/2014/main" id="{D2B9299F-BED7-44C5-9CC5-E542F9193C2F}"/>
               </a:ext>
               <a:ext uri="{C183D7F6-B498-43B3-948B-1728B52AA6E4}">
-                <adec:decorative xmlns:adec="http://schemas.microsoft.com/office/drawing/2017/decorative" xmlns="" val="1"/>
+                <adec:decorative xmlns:adec="http://schemas.microsoft.com/office/drawing/2017/decorative" val="1"/>
               </a:ext>
             </a:extLst>
           </p:cNvPr>
@@ -4029,10 +4029,10 @@
           <p:cNvPr id="39" name="Rectangle 38">
             <a:extLst>
               <a:ext uri="{FF2B5EF4-FFF2-40B4-BE49-F238E27FC236}">
-                <a16:creationId xmlns:a16="http://schemas.microsoft.com/office/drawing/2014/main" xmlns="" id="{ADB08581-279A-478B-83DD-945E4CB34E45}"/>
+                <a16:creationId xmlns:a16="http://schemas.microsoft.com/office/drawing/2014/main" id="{ADB08581-279A-478B-83DD-945E4CB34E45}"/>
               </a:ext>
               <a:ext uri="{C183D7F6-B498-43B3-948B-1728B52AA6E4}">
-                <adec:decorative xmlns:adec="http://schemas.microsoft.com/office/drawing/2017/decorative" xmlns="" val="1"/>
+                <adec:decorative xmlns:adec="http://schemas.microsoft.com/office/drawing/2017/decorative" val="1"/>
               </a:ext>
             </a:extLst>
           </p:cNvPr>
@@ -4092,10 +4092,10 @@
           <p:cNvPr id="41" name="Rectangle 40">
             <a:extLst>
               <a:ext uri="{FF2B5EF4-FFF2-40B4-BE49-F238E27FC236}">
-                <a16:creationId xmlns:a16="http://schemas.microsoft.com/office/drawing/2014/main" xmlns="" id="{21E40D98-2DD7-4DBC-9170-584D5BA2D395}"/>
+                <a16:creationId xmlns:a16="http://schemas.microsoft.com/office/drawing/2014/main" id="{21E40D98-2DD7-4DBC-9170-584D5BA2D395}"/>
               </a:ext>
               <a:ext uri="{C183D7F6-B498-43B3-948B-1728B52AA6E4}">
-                <adec:decorative xmlns:adec="http://schemas.microsoft.com/office/drawing/2017/decorative" xmlns="" val="1"/>
+                <adec:decorative xmlns:adec="http://schemas.microsoft.com/office/drawing/2017/decorative" val="1"/>
               </a:ext>
             </a:extLst>
           </p:cNvPr>
@@ -4146,10 +4146,10 @@
           <p:cNvPr id="43" name="Rectangle 42">
             <a:extLst>
               <a:ext uri="{FF2B5EF4-FFF2-40B4-BE49-F238E27FC236}">
-                <a16:creationId xmlns:a16="http://schemas.microsoft.com/office/drawing/2014/main" xmlns="" id="{56F5A787-B406-4A79-B561-57041C4B02A0}"/>
+                <a16:creationId xmlns:a16="http://schemas.microsoft.com/office/drawing/2014/main" id="{56F5A787-B406-4A79-B561-57041C4B02A0}"/>
               </a:ext>
               <a:ext uri="{C183D7F6-B498-43B3-948B-1728B52AA6E4}">
-                <adec:decorative xmlns:adec="http://schemas.microsoft.com/office/drawing/2017/decorative" xmlns="" val="1"/>
+                <adec:decorative xmlns:adec="http://schemas.microsoft.com/office/drawing/2017/decorative" val="1"/>
               </a:ext>
             </a:extLst>
           </p:cNvPr>
@@ -4202,7 +4202,7 @@
           <p:cNvPr id="2" name="Title 1">
             <a:extLst>
               <a:ext uri="{FF2B5EF4-FFF2-40B4-BE49-F238E27FC236}">
-                <a16:creationId xmlns:a16="http://schemas.microsoft.com/office/drawing/2014/main" xmlns="" id="{55CD3B01-63C7-478B-8581-1BCFFDB4A07C}"/>
+                <a16:creationId xmlns:a16="http://schemas.microsoft.com/office/drawing/2014/main" id="{55CD3B01-63C7-478B-8581-1BCFFDB4A07C}"/>
               </a:ext>
             </a:extLst>
           </p:cNvPr>
@@ -4245,7 +4245,7 @@
           <p:cNvPr id="3" name="Subtitle 2">
             <a:extLst>
               <a:ext uri="{FF2B5EF4-FFF2-40B4-BE49-F238E27FC236}">
-                <a16:creationId xmlns:a16="http://schemas.microsoft.com/office/drawing/2014/main" xmlns="" id="{86CDABA0-9994-4CD4-8D64-2A7557CA340A}"/>
+                <a16:creationId xmlns:a16="http://schemas.microsoft.com/office/drawing/2014/main" id="{86CDABA0-9994-4CD4-8D64-2A7557CA340A}"/>
               </a:ext>
             </a:extLst>
           </p:cNvPr>
@@ -4350,7 +4350,7 @@
           <p:cNvPr id="4" name="Picture 3" descr="Background pattern&#10;&#10;Description automatically generated">
             <a:extLst>
               <a:ext uri="{FF2B5EF4-FFF2-40B4-BE49-F238E27FC236}">
-                <a16:creationId xmlns:a16="http://schemas.microsoft.com/office/drawing/2014/main" xmlns="" id="{75F0BD39-88F4-45EF-8C15-DAD904B35C1C}"/>
+                <a16:creationId xmlns:a16="http://schemas.microsoft.com/office/drawing/2014/main" id="{75F0BD39-88F4-45EF-8C15-DAD904B35C1C}"/>
               </a:ext>
             </a:extLst>
           </p:cNvPr>
@@ -4429,10 +4429,10 @@
           <p:cNvPr id="64" name="Rectangle 63">
             <a:extLst>
               <a:ext uri="{FF2B5EF4-FFF2-40B4-BE49-F238E27FC236}">
-                <a16:creationId xmlns:a16="http://schemas.microsoft.com/office/drawing/2014/main" xmlns="" id="{E6C8E6EB-4C59-429B-97E4-72A058CFC4FB}"/>
+                <a16:creationId xmlns:a16="http://schemas.microsoft.com/office/drawing/2014/main" id="{E6C8E6EB-4C59-429B-97E4-72A058CFC4FB}"/>
               </a:ext>
               <a:ext uri="{C183D7F6-B498-43B3-948B-1728B52AA6E4}">
-                <adec:decorative xmlns:adec="http://schemas.microsoft.com/office/drawing/2017/decorative" xmlns="" val="1"/>
+                <adec:decorative xmlns:adec="http://schemas.microsoft.com/office/drawing/2017/decorative" val="1"/>
               </a:ext>
             </a:extLst>
           </p:cNvPr>
@@ -4483,10 +4483,10 @@
           <p:cNvPr id="66" name="Rectangle 65">
             <a:extLst>
               <a:ext uri="{FF2B5EF4-FFF2-40B4-BE49-F238E27FC236}">
-                <a16:creationId xmlns:a16="http://schemas.microsoft.com/office/drawing/2014/main" xmlns="" id="{B5B90362-AFCC-46A9-B41C-A257A8C5B314}"/>
+                <a16:creationId xmlns:a16="http://schemas.microsoft.com/office/drawing/2014/main" id="{B5B90362-AFCC-46A9-B41C-A257A8C5B314}"/>
               </a:ext>
               <a:ext uri="{C183D7F6-B498-43B3-948B-1728B52AA6E4}">
-                <adec:decorative xmlns:adec="http://schemas.microsoft.com/office/drawing/2017/decorative" xmlns="" val="1"/>
+                <adec:decorative xmlns:adec="http://schemas.microsoft.com/office/drawing/2017/decorative" val="1"/>
               </a:ext>
             </a:extLst>
           </p:cNvPr>
@@ -4537,10 +4537,10 @@
           <p:cNvPr id="68" name="Rectangle 67">
             <a:extLst>
               <a:ext uri="{FF2B5EF4-FFF2-40B4-BE49-F238E27FC236}">
-                <a16:creationId xmlns:a16="http://schemas.microsoft.com/office/drawing/2014/main" xmlns="" id="{F71EF7F1-38BA-471D-8CD4-2A9AE8E35527}"/>
+                <a16:creationId xmlns:a16="http://schemas.microsoft.com/office/drawing/2014/main" id="{F71EF7F1-38BA-471D-8CD4-2A9AE8E35527}"/>
               </a:ext>
               <a:ext uri="{C183D7F6-B498-43B3-948B-1728B52AA6E4}">
-                <adec:decorative xmlns:adec="http://schemas.microsoft.com/office/drawing/2017/decorative" xmlns="" val="1"/>
+                <adec:decorative xmlns:adec="http://schemas.microsoft.com/office/drawing/2017/decorative" val="1"/>
               </a:ext>
             </a:extLst>
           </p:cNvPr>
@@ -4591,10 +4591,10 @@
           <p:cNvPr id="70" name="Rectangle 69">
             <a:extLst>
               <a:ext uri="{FF2B5EF4-FFF2-40B4-BE49-F238E27FC236}">
-                <a16:creationId xmlns:a16="http://schemas.microsoft.com/office/drawing/2014/main" xmlns="" id="{C0524398-BFB4-4C4A-8317-83B8729F9B26}"/>
+                <a16:creationId xmlns:a16="http://schemas.microsoft.com/office/drawing/2014/main" id="{C0524398-BFB4-4C4A-8317-83B8729F9B26}"/>
               </a:ext>
               <a:ext uri="{C183D7F6-B498-43B3-948B-1728B52AA6E4}">
-                <adec:decorative xmlns:adec="http://schemas.microsoft.com/office/drawing/2017/decorative" xmlns="" val="1"/>
+                <adec:decorative xmlns:adec="http://schemas.microsoft.com/office/drawing/2017/decorative" val="1"/>
               </a:ext>
             </a:extLst>
           </p:cNvPr>
@@ -4645,10 +4645,10 @@
           <p:cNvPr id="72" name="Rectangle 71">
             <a:extLst>
               <a:ext uri="{FF2B5EF4-FFF2-40B4-BE49-F238E27FC236}">
-                <a16:creationId xmlns:a16="http://schemas.microsoft.com/office/drawing/2014/main" xmlns="" id="{E08D4B6A-8113-4DFB-B82E-B60CAC8E0A50}"/>
+                <a16:creationId xmlns:a16="http://schemas.microsoft.com/office/drawing/2014/main" id="{E08D4B6A-8113-4DFB-B82E-B60CAC8E0A50}"/>
               </a:ext>
               <a:ext uri="{C183D7F6-B498-43B3-948B-1728B52AA6E4}">
-                <adec:decorative xmlns:adec="http://schemas.microsoft.com/office/drawing/2017/decorative" xmlns="" val="1"/>
+                <adec:decorative xmlns:adec="http://schemas.microsoft.com/office/drawing/2017/decorative" val="1"/>
               </a:ext>
             </a:extLst>
           </p:cNvPr>
@@ -4737,10 +4737,10 @@
           <p:cNvPr id="74" name="Rectangle 73">
             <a:extLst>
               <a:ext uri="{FF2B5EF4-FFF2-40B4-BE49-F238E27FC236}">
-                <a16:creationId xmlns:a16="http://schemas.microsoft.com/office/drawing/2014/main" xmlns="" id="{9822E561-F97C-4CBB-A9A6-A6BF6317BC84}"/>
+                <a16:creationId xmlns:a16="http://schemas.microsoft.com/office/drawing/2014/main" id="{9822E561-F97C-4CBB-A9A6-A6BF6317BC84}"/>
               </a:ext>
               <a:ext uri="{C183D7F6-B498-43B3-948B-1728B52AA6E4}">
-                <adec:decorative xmlns:adec="http://schemas.microsoft.com/office/drawing/2017/decorative" xmlns="" val="1"/>
+                <adec:decorative xmlns:adec="http://schemas.microsoft.com/office/drawing/2017/decorative" val="1"/>
               </a:ext>
             </a:extLst>
           </p:cNvPr>
@@ -4791,7 +4791,7 @@
           <p:cNvPr id="2" name="Title 1">
             <a:extLst>
               <a:ext uri="{FF2B5EF4-FFF2-40B4-BE49-F238E27FC236}">
-                <a16:creationId xmlns:a16="http://schemas.microsoft.com/office/drawing/2014/main" xmlns="" id="{9408DB89-7C09-43A6-943F-49EF7B9C264C}"/>
+                <a16:creationId xmlns:a16="http://schemas.microsoft.com/office/drawing/2014/main" id="{9408DB89-7C09-43A6-943F-49EF7B9C264C}"/>
               </a:ext>
             </a:extLst>
           </p:cNvPr>
@@ -4830,7 +4830,7 @@
           <p:cNvPr id="4" name="Text Placeholder 3">
             <a:extLst>
               <a:ext uri="{FF2B5EF4-FFF2-40B4-BE49-F238E27FC236}">
-                <a16:creationId xmlns:a16="http://schemas.microsoft.com/office/drawing/2014/main" xmlns="" id="{82E88403-81BC-4F53-AC96-222C13D00489}"/>
+                <a16:creationId xmlns:a16="http://schemas.microsoft.com/office/drawing/2014/main" id="{82E88403-81BC-4F53-AC96-222C13D00489}"/>
               </a:ext>
             </a:extLst>
           </p:cNvPr>
@@ -4871,10 +4871,10 @@
           <p:cNvPr id="76" name="Rectangle 75">
             <a:extLst>
               <a:ext uri="{FF2B5EF4-FFF2-40B4-BE49-F238E27FC236}">
-                <a16:creationId xmlns:a16="http://schemas.microsoft.com/office/drawing/2014/main" xmlns="" id="{B01B0E58-A5C8-4CDA-A2E0-35DF94E59857}"/>
+                <a16:creationId xmlns:a16="http://schemas.microsoft.com/office/drawing/2014/main" id="{B01B0E58-A5C8-4CDA-A2E0-35DF94E59857}"/>
               </a:ext>
               <a:ext uri="{C183D7F6-B498-43B3-948B-1728B52AA6E4}">
-                <adec:decorative xmlns:adec="http://schemas.microsoft.com/office/drawing/2017/decorative" xmlns="" val="1"/>
+                <adec:decorative xmlns:adec="http://schemas.microsoft.com/office/drawing/2017/decorative" val="1"/>
               </a:ext>
             </a:extLst>
           </p:cNvPr>
@@ -4925,7 +4925,7 @@
           <p:cNvPr id="6" name="Picture Placeholder 5" descr="Text&#10;&#10;Description automatically generated">
             <a:extLst>
               <a:ext uri="{FF2B5EF4-FFF2-40B4-BE49-F238E27FC236}">
-                <a16:creationId xmlns:a16="http://schemas.microsoft.com/office/drawing/2014/main" xmlns="" id="{B1FF0CE9-0935-4851-91D6-9CD4D2BE65A7}"/>
+                <a16:creationId xmlns:a16="http://schemas.microsoft.com/office/drawing/2014/main" id="{B1FF0CE9-0935-4851-91D6-9CD4D2BE65A7}"/>
               </a:ext>
             </a:extLst>
           </p:cNvPr>
@@ -4992,7 +4992,7 @@
           <p:cNvPr id="4" name="Content Placeholder 5" descr="A picture containing drawing&#10;&#10;Description automatically generated">
             <a:extLst>
               <a:ext uri="{FF2B5EF4-FFF2-40B4-BE49-F238E27FC236}">
-                <a16:creationId xmlns:a16="http://schemas.microsoft.com/office/drawing/2014/main" xmlns="" id="{385AC6C5-94BF-4E68-AED9-3FF18AFD1020}"/>
+                <a16:creationId xmlns:a16="http://schemas.microsoft.com/office/drawing/2014/main" id="{385AC6C5-94BF-4E68-AED9-3FF18AFD1020}"/>
               </a:ext>
             </a:extLst>
           </p:cNvPr>
@@ -5077,10 +5077,10 @@
           <p:cNvPr id="1033" name="Rectangle 139">
             <a:extLst>
               <a:ext uri="{FF2B5EF4-FFF2-40B4-BE49-F238E27FC236}">
-                <a16:creationId xmlns:a16="http://schemas.microsoft.com/office/drawing/2014/main" xmlns="" id="{DD651B61-325E-4E73-8445-38B0DE8AAAB6}"/>
+                <a16:creationId xmlns:a16="http://schemas.microsoft.com/office/drawing/2014/main" id="{DD651B61-325E-4E73-8445-38B0DE8AAAB6}"/>
               </a:ext>
               <a:ext uri="{C183D7F6-B498-43B3-948B-1728B52AA6E4}">
-                <adec:decorative xmlns:adec="http://schemas.microsoft.com/office/drawing/2017/decorative" xmlns="" val="1"/>
+                <adec:decorative xmlns:adec="http://schemas.microsoft.com/office/drawing/2017/decorative" val="1"/>
               </a:ext>
             </a:extLst>
           </p:cNvPr>
@@ -5131,10 +5131,10 @@
           <p:cNvPr id="1034" name="Rectangle 141">
             <a:extLst>
               <a:ext uri="{FF2B5EF4-FFF2-40B4-BE49-F238E27FC236}">
-                <a16:creationId xmlns:a16="http://schemas.microsoft.com/office/drawing/2014/main" xmlns="" id="{B42E5253-D3AC-4AC2-B766-8B34F13C2F5E}"/>
+                <a16:creationId xmlns:a16="http://schemas.microsoft.com/office/drawing/2014/main" id="{B42E5253-D3AC-4AC2-B766-8B34F13C2F5E}"/>
               </a:ext>
               <a:ext uri="{C183D7F6-B498-43B3-948B-1728B52AA6E4}">
-                <adec:decorative xmlns:adec="http://schemas.microsoft.com/office/drawing/2017/decorative" xmlns="" val="1"/>
+                <adec:decorative xmlns:adec="http://schemas.microsoft.com/office/drawing/2017/decorative" val="1"/>
               </a:ext>
             </a:extLst>
           </p:cNvPr>
@@ -5185,10 +5185,10 @@
           <p:cNvPr id="1035" name="Rectangle 143">
             <a:extLst>
               <a:ext uri="{FF2B5EF4-FFF2-40B4-BE49-F238E27FC236}">
-                <a16:creationId xmlns:a16="http://schemas.microsoft.com/office/drawing/2014/main" xmlns="" id="{10AE8D57-436A-4073-9A75-15BB5949F8B4}"/>
+                <a16:creationId xmlns:a16="http://schemas.microsoft.com/office/drawing/2014/main" id="{10AE8D57-436A-4073-9A75-15BB5949F8B4}"/>
               </a:ext>
               <a:ext uri="{C183D7F6-B498-43B3-948B-1728B52AA6E4}">
-                <adec:decorative xmlns:adec="http://schemas.microsoft.com/office/drawing/2017/decorative" xmlns="" val="1"/>
+                <adec:decorative xmlns:adec="http://schemas.microsoft.com/office/drawing/2017/decorative" val="1"/>
               </a:ext>
             </a:extLst>
           </p:cNvPr>
@@ -5239,10 +5239,10 @@
           <p:cNvPr id="1036" name="Rectangle 145">
             <a:extLst>
               <a:ext uri="{FF2B5EF4-FFF2-40B4-BE49-F238E27FC236}">
-                <a16:creationId xmlns:a16="http://schemas.microsoft.com/office/drawing/2014/main" xmlns="" id="{E9751CB9-7B25-4EB8-9A6F-82F822549F12}"/>
+                <a16:creationId xmlns:a16="http://schemas.microsoft.com/office/drawing/2014/main" id="{E9751CB9-7B25-4EB8-9A6F-82F822549F12}"/>
               </a:ext>
               <a:ext uri="{C183D7F6-B498-43B3-948B-1728B52AA6E4}">
-                <adec:decorative xmlns:adec="http://schemas.microsoft.com/office/drawing/2017/decorative" xmlns="" val="1"/>
+                <adec:decorative xmlns:adec="http://schemas.microsoft.com/office/drawing/2017/decorative" val="1"/>
               </a:ext>
             </a:extLst>
           </p:cNvPr>
@@ -5302,10 +5302,10 @@
           <p:cNvPr id="1037" name="Rectangle 147">
             <a:extLst>
               <a:ext uri="{FF2B5EF4-FFF2-40B4-BE49-F238E27FC236}">
-                <a16:creationId xmlns:a16="http://schemas.microsoft.com/office/drawing/2014/main" xmlns="" id="{E1317383-CF3B-4B02-9512-BECBEF6362A4}"/>
+                <a16:creationId xmlns:a16="http://schemas.microsoft.com/office/drawing/2014/main" id="{E1317383-CF3B-4B02-9512-BECBEF6362A4}"/>
               </a:ext>
               <a:ext uri="{C183D7F6-B498-43B3-948B-1728B52AA6E4}">
-                <adec:decorative xmlns:adec="http://schemas.microsoft.com/office/drawing/2017/decorative" xmlns="" val="1"/>
+                <adec:decorative xmlns:adec="http://schemas.microsoft.com/office/drawing/2017/decorative" val="1"/>
               </a:ext>
             </a:extLst>
           </p:cNvPr>
@@ -5356,10 +5356,10 @@
           <p:cNvPr id="1038" name="Rectangle 149">
             <a:extLst>
               <a:ext uri="{FF2B5EF4-FFF2-40B4-BE49-F238E27FC236}">
-                <a16:creationId xmlns:a16="http://schemas.microsoft.com/office/drawing/2014/main" xmlns="" id="{B1D4C7A0-6DF2-4F2D-A45D-F111582974C7}"/>
+                <a16:creationId xmlns:a16="http://schemas.microsoft.com/office/drawing/2014/main" id="{B1D4C7A0-6DF2-4F2D-A45D-F111582974C7}"/>
               </a:ext>
               <a:ext uri="{C183D7F6-B498-43B3-948B-1728B52AA6E4}">
-                <adec:decorative xmlns:adec="http://schemas.microsoft.com/office/drawing/2017/decorative" xmlns="" val="1"/>
+                <adec:decorative xmlns:adec="http://schemas.microsoft.com/office/drawing/2017/decorative" val="1"/>
               </a:ext>
             </a:extLst>
           </p:cNvPr>
@@ -5410,10 +5410,10 @@
           <p:cNvPr id="152" name="Rectangle 151">
             <a:extLst>
               <a:ext uri="{FF2B5EF4-FFF2-40B4-BE49-F238E27FC236}">
-                <a16:creationId xmlns:a16="http://schemas.microsoft.com/office/drawing/2014/main" xmlns="" id="{DBF3943D-BCB6-4B31-809D-A005686483B4}"/>
+                <a16:creationId xmlns:a16="http://schemas.microsoft.com/office/drawing/2014/main" id="{DBF3943D-BCB6-4B31-809D-A005686483B4}"/>
               </a:ext>
               <a:ext uri="{C183D7F6-B498-43B3-948B-1728B52AA6E4}">
-                <adec:decorative xmlns:adec="http://schemas.microsoft.com/office/drawing/2017/decorative" xmlns="" val="1"/>
+                <adec:decorative xmlns:adec="http://schemas.microsoft.com/office/drawing/2017/decorative" val="1"/>
               </a:ext>
             </a:extLst>
           </p:cNvPr>
@@ -5464,10 +5464,10 @@
           <p:cNvPr id="154" name="Rectangle 153">
             <a:extLst>
               <a:ext uri="{FF2B5EF4-FFF2-40B4-BE49-F238E27FC236}">
-                <a16:creationId xmlns:a16="http://schemas.microsoft.com/office/drawing/2014/main" xmlns="" id="{39373A6F-2E1F-4613-8E1D-D68057D29F31}"/>
+                <a16:creationId xmlns:a16="http://schemas.microsoft.com/office/drawing/2014/main" id="{39373A6F-2E1F-4613-8E1D-D68057D29F31}"/>
               </a:ext>
               <a:ext uri="{C183D7F6-B498-43B3-948B-1728B52AA6E4}">
-                <adec:decorative xmlns:adec="http://schemas.microsoft.com/office/drawing/2017/decorative" xmlns="" val="1"/>
+                <adec:decorative xmlns:adec="http://schemas.microsoft.com/office/drawing/2017/decorative" val="1"/>
               </a:ext>
             </a:extLst>
           </p:cNvPr>
@@ -5518,7 +5518,7 @@
           <p:cNvPr id="2" name="Title 1">
             <a:extLst>
               <a:ext uri="{FF2B5EF4-FFF2-40B4-BE49-F238E27FC236}">
-                <a16:creationId xmlns:a16="http://schemas.microsoft.com/office/drawing/2014/main" xmlns="" id="{3B00F149-3020-4F71-BE02-8FA93C1A8BB8}"/>
+                <a16:creationId xmlns:a16="http://schemas.microsoft.com/office/drawing/2014/main" id="{3B00F149-3020-4F71-BE02-8FA93C1A8BB8}"/>
               </a:ext>
             </a:extLst>
           </p:cNvPr>
@@ -5573,7 +5573,7 @@
           <p:cNvPr id="4" name="Text Placeholder 3">
             <a:extLst>
               <a:ext uri="{FF2B5EF4-FFF2-40B4-BE49-F238E27FC236}">
-                <a16:creationId xmlns:a16="http://schemas.microsoft.com/office/drawing/2014/main" xmlns="" id="{4CD29532-5D0A-4249-BA64-DD24C7BF2E78}"/>
+                <a16:creationId xmlns:a16="http://schemas.microsoft.com/office/drawing/2014/main" id="{4CD29532-5D0A-4249-BA64-DD24C7BF2E78}"/>
               </a:ext>
             </a:extLst>
           </p:cNvPr>
@@ -5691,7 +5691,7 @@
           <p:cNvPr id="1026" name="Picture 2">
             <a:extLst>
               <a:ext uri="{FF2B5EF4-FFF2-40B4-BE49-F238E27FC236}">
-                <a16:creationId xmlns:a16="http://schemas.microsoft.com/office/drawing/2014/main" xmlns="" id="{65C8CE7D-47FF-4D2F-888F-C954DC9DF238}"/>
+                <a16:creationId xmlns:a16="http://schemas.microsoft.com/office/drawing/2014/main" id="{65C8CE7D-47FF-4D2F-888F-C954DC9DF238}"/>
               </a:ext>
             </a:extLst>
           </p:cNvPr>
@@ -5786,7 +5786,7 @@
           <p:cNvPr id="2" name="Title 1">
             <a:extLst>
               <a:ext uri="{FF2B5EF4-FFF2-40B4-BE49-F238E27FC236}">
-                <a16:creationId xmlns:a16="http://schemas.microsoft.com/office/drawing/2014/main" xmlns="" id="{F056137C-21FE-4BEA-83E9-0C1525A13270}"/>
+                <a16:creationId xmlns:a16="http://schemas.microsoft.com/office/drawing/2014/main" id="{F056137C-21FE-4BEA-83E9-0C1525A13270}"/>
               </a:ext>
             </a:extLst>
           </p:cNvPr>
@@ -5820,7 +5820,7 @@
           <p:cNvPr id="4" name="Text Placeholder 3">
             <a:extLst>
               <a:ext uri="{FF2B5EF4-FFF2-40B4-BE49-F238E27FC236}">
-                <a16:creationId xmlns:a16="http://schemas.microsoft.com/office/drawing/2014/main" xmlns="" id="{9D94B1A9-264E-49F6-BDCE-C49FBF824A30}"/>
+                <a16:creationId xmlns:a16="http://schemas.microsoft.com/office/drawing/2014/main" id="{9D94B1A9-264E-49F6-BDCE-C49FBF824A30}"/>
               </a:ext>
             </a:extLst>
           </p:cNvPr>
@@ -5834,7 +5834,7 @@
         <p:spPr/>
         <p:txBody>
           <a:bodyPr>
-            <a:normAutofit lnSpcReduction="10000"/>
+            <a:normAutofit/>
           </a:bodyPr>
           <a:lstStyle/>
           <a:p>
@@ -5854,15 +5854,7 @@
             </a:pPr>
             <a:r>
               <a:rPr lang="en-US" dirty="0"/>
-              <a:t>Client layer: HTML, JS</a:t>
-            </a:r>
-            <a:r>
-              <a:rPr lang="en-US" dirty="0" smtClean="0"/>
-              <a:t>, </a:t>
-            </a:r>
-            <a:r>
-              <a:rPr lang="en-US" dirty="0"/>
-              <a:t>React Frameworks etc.</a:t>
+              <a:t>Client layer: HTML, JS, React Frameworks etc.</a:t>
             </a:r>
           </a:p>
           <a:p>
@@ -5961,7 +5953,7 @@
           <p:cNvPr id="2" name="Title 1">
             <a:extLst>
               <a:ext uri="{FF2B5EF4-FFF2-40B4-BE49-F238E27FC236}">
-                <a16:creationId xmlns:a16="http://schemas.microsoft.com/office/drawing/2014/main" xmlns="" id="{5AD35C56-F24C-45FB-8437-566FD9E1AE4E}"/>
+                <a16:creationId xmlns:a16="http://schemas.microsoft.com/office/drawing/2014/main" id="{5AD35C56-F24C-45FB-8437-566FD9E1AE4E}"/>
               </a:ext>
             </a:extLst>
           </p:cNvPr>
@@ -5995,7 +5987,7 @@
           <p:cNvPr id="4" name="Text Placeholder 3">
             <a:extLst>
               <a:ext uri="{FF2B5EF4-FFF2-40B4-BE49-F238E27FC236}">
-                <a16:creationId xmlns:a16="http://schemas.microsoft.com/office/drawing/2014/main" xmlns="" id="{140D2A67-EE28-4B68-8BB4-F9DBAB0A2FD0}"/>
+                <a16:creationId xmlns:a16="http://schemas.microsoft.com/office/drawing/2014/main" id="{140D2A67-EE28-4B68-8BB4-F9DBAB0A2FD0}"/>
               </a:ext>
             </a:extLst>
           </p:cNvPr>
@@ -6131,7 +6123,7 @@
           <p:cNvPr id="5" name="Text Placeholder 3">
             <a:extLst>
               <a:ext uri="{FF2B5EF4-FFF2-40B4-BE49-F238E27FC236}">
-                <a16:creationId xmlns:a16="http://schemas.microsoft.com/office/drawing/2014/main" xmlns="" id="{140D2A67-EE28-4B68-8BB4-F9DBAB0A2FD0}"/>
+                <a16:creationId xmlns:a16="http://schemas.microsoft.com/office/drawing/2014/main" id="{140D2A67-EE28-4B68-8BB4-F9DBAB0A2FD0}"/>
               </a:ext>
             </a:extLst>
           </p:cNvPr>
@@ -6529,7 +6521,7 @@
           <p:cNvPr id="2" name="Title 1">
             <a:extLst>
               <a:ext uri="{FF2B5EF4-FFF2-40B4-BE49-F238E27FC236}">
-                <a16:creationId xmlns:a16="http://schemas.microsoft.com/office/drawing/2014/main" xmlns="" id="{9EA16BF0-F0EC-45C1-93F7-EEF95F8FDF65}"/>
+                <a16:creationId xmlns:a16="http://schemas.microsoft.com/office/drawing/2014/main" id="{9EA16BF0-F0EC-45C1-93F7-EEF95F8FDF65}"/>
               </a:ext>
             </a:extLst>
           </p:cNvPr>
@@ -6563,7 +6555,7 @@
           <p:cNvPr id="4" name="Text Placeholder 3">
             <a:extLst>
               <a:ext uri="{FF2B5EF4-FFF2-40B4-BE49-F238E27FC236}">
-                <a16:creationId xmlns:a16="http://schemas.microsoft.com/office/drawing/2014/main" xmlns="" id="{3A2D3979-AD75-4071-A7BA-4A09BECD189D}"/>
+                <a16:creationId xmlns:a16="http://schemas.microsoft.com/office/drawing/2014/main" id="{3A2D3979-AD75-4071-A7BA-4A09BECD189D}"/>
               </a:ext>
             </a:extLst>
           </p:cNvPr>
@@ -6636,7 +6628,7 @@
           <p:cNvPr id="6" name="Picture 5">
             <a:extLst>
               <a:ext uri="{FF2B5EF4-FFF2-40B4-BE49-F238E27FC236}">
-                <a16:creationId xmlns:a16="http://schemas.microsoft.com/office/drawing/2014/main" xmlns="" id="{6A4B23B3-AA54-4F44-8ED9-491A11EE6C77}"/>
+                <a16:creationId xmlns:a16="http://schemas.microsoft.com/office/drawing/2014/main" id="{6A4B23B3-AA54-4F44-8ED9-491A11EE6C77}"/>
               </a:ext>
             </a:extLst>
           </p:cNvPr>
@@ -6666,7 +6658,7 @@
           <p:cNvPr id="7" name="Picture 6">
             <a:extLst>
               <a:ext uri="{FF2B5EF4-FFF2-40B4-BE49-F238E27FC236}">
-                <a16:creationId xmlns:a16="http://schemas.microsoft.com/office/drawing/2014/main" xmlns="" id="{4EFD1028-7C76-4950-B1CF-053810A5F546}"/>
+                <a16:creationId xmlns:a16="http://schemas.microsoft.com/office/drawing/2014/main" id="{4EFD1028-7C76-4950-B1CF-053810A5F546}"/>
               </a:ext>
             </a:extLst>
           </p:cNvPr>
@@ -6696,7 +6688,7 @@
           <p:cNvPr id="8" name="Picture 7">
             <a:extLst>
               <a:ext uri="{FF2B5EF4-FFF2-40B4-BE49-F238E27FC236}">
-                <a16:creationId xmlns:a16="http://schemas.microsoft.com/office/drawing/2014/main" xmlns="" id="{84AB1A32-40CF-4145-ADBF-036E4045AAB6}"/>
+                <a16:creationId xmlns:a16="http://schemas.microsoft.com/office/drawing/2014/main" id="{84AB1A32-40CF-4145-ADBF-036E4045AAB6}"/>
               </a:ext>
             </a:extLst>
           </p:cNvPr>
@@ -7041,7 +7033,7 @@
           <p:cNvPr id="2" name="Title 1">
             <a:extLst>
               <a:ext uri="{FF2B5EF4-FFF2-40B4-BE49-F238E27FC236}">
-                <a16:creationId xmlns:a16="http://schemas.microsoft.com/office/drawing/2014/main" xmlns="" id="{757AFBA8-5DBB-4610-9DF7-1D8272954C48}"/>
+                <a16:creationId xmlns:a16="http://schemas.microsoft.com/office/drawing/2014/main" id="{757AFBA8-5DBB-4610-9DF7-1D8272954C48}"/>
               </a:ext>
             </a:extLst>
           </p:cNvPr>
@@ -7057,6 +7049,7 @@
           <a:bodyPr/>
           <a:lstStyle/>
           <a:p>
+            <a:pPr algn="ctr"/>
             <a:r>
               <a:rPr lang="en-US" dirty="0"/>
               <a:t>Testing efforts (headaches)</a:t>
@@ -7069,7 +7062,7 @@
           <p:cNvPr id="4" name="Text Placeholder 3">
             <a:extLst>
               <a:ext uri="{FF2B5EF4-FFF2-40B4-BE49-F238E27FC236}">
-                <a16:creationId xmlns:a16="http://schemas.microsoft.com/office/drawing/2014/main" xmlns="" id="{B09FEFC5-2D62-4A63-918D-C6372B2BB0A2}"/>
+                <a16:creationId xmlns:a16="http://schemas.microsoft.com/office/drawing/2014/main" id="{B09FEFC5-2D62-4A63-918D-C6372B2BB0A2}"/>
               </a:ext>
             </a:extLst>
           </p:cNvPr>
@@ -7085,10 +7078,216 @@
           <a:bodyPr/>
           <a:lstStyle/>
           <a:p>
+            <a:pPr marL="285750" indent="-285750">
+              <a:buClr>
+                <a:srgbClr val="FF4E23"/>
+              </a:buClr>
+              <a:buFont typeface="Wingdings" panose="05000000000000000000" pitchFamily="2" charset="2"/>
+              <a:buChar char="§"/>
+            </a:pPr>
+            <a:r>
+              <a:rPr lang="en-US" dirty="0"/>
+              <a:t>Conditional Rendering</a:t>
+            </a:r>
+          </a:p>
+          <a:p>
+            <a:pPr marL="285750" indent="-285750">
+              <a:buClr>
+                <a:srgbClr val="FF4E23"/>
+              </a:buClr>
+              <a:buFont typeface="Wingdings" panose="05000000000000000000" pitchFamily="2" charset="2"/>
+              <a:buChar char="§"/>
+            </a:pPr>
+            <a:r>
+              <a:rPr lang="en-US" dirty="0"/>
+              <a:t>Excessive, unsupported or unnecessary dependencies</a:t>
+            </a:r>
+          </a:p>
+          <a:p>
+            <a:pPr marL="285750" indent="-285750">
+              <a:buClr>
+                <a:srgbClr val="FF4E23"/>
+              </a:buClr>
+              <a:buFont typeface="Wingdings" panose="05000000000000000000" pitchFamily="2" charset="2"/>
+              <a:buChar char="§"/>
+            </a:pPr>
+            <a:r>
+              <a:rPr lang="en-US" dirty="0"/>
+              <a:t>Setting up APIs to transfer information between systems </a:t>
+            </a:r>
+          </a:p>
+          <a:p>
+            <a:pPr marL="285750" indent="-285750">
+              <a:buClr>
+                <a:srgbClr val="FF4E23"/>
+              </a:buClr>
+              <a:buFont typeface="Wingdings" panose="05000000000000000000" pitchFamily="2" charset="2"/>
+              <a:buChar char="§"/>
+            </a:pPr>
+            <a:r>
+              <a:rPr lang="en-US" dirty="0"/>
+              <a:t>Unexpected Obstacles</a:t>
+            </a:r>
+          </a:p>
+          <a:p>
+            <a:pPr marL="285750" indent="-285750">
+              <a:buClr>
+                <a:srgbClr val="FF4E23"/>
+              </a:buClr>
+              <a:buFont typeface="Wingdings" panose="05000000000000000000" pitchFamily="2" charset="2"/>
+              <a:buChar char="§"/>
+            </a:pPr>
             <a:endParaRPr lang="en-US" dirty="0"/>
           </a:p>
         </p:txBody>
       </p:sp>
+      <p:pic>
+        <p:nvPicPr>
+          <p:cNvPr id="6" name="Picture 5">
+            <a:extLst>
+              <a:ext uri="{FF2B5EF4-FFF2-40B4-BE49-F238E27FC236}">
+                <a16:creationId xmlns:a16="http://schemas.microsoft.com/office/drawing/2014/main" id="{425DE554-7115-41E2-8208-E1C5D0F0C51B}"/>
+              </a:ext>
+            </a:extLst>
+          </p:cNvPr>
+          <p:cNvPicPr>
+            <a:picLocks noChangeAspect="1"/>
+          </p:cNvPicPr>
+          <p:nvPr/>
+        </p:nvPicPr>
+        <p:blipFill>
+          <a:blip r:embed="rId2"/>
+          <a:stretch>
+            <a:fillRect/>
+          </a:stretch>
+        </p:blipFill>
+        <p:spPr>
+          <a:xfrm>
+            <a:off x="5928660" y="1747603"/>
+            <a:ext cx="4182059" cy="3362794"/>
+          </a:xfrm>
+          <a:prstGeom prst="rect">
+            <a:avLst/>
+          </a:prstGeom>
+        </p:spPr>
+      </p:pic>
+      <p:pic>
+        <p:nvPicPr>
+          <p:cNvPr id="8" name="Picture 7" descr="Diagram, map&#10;&#10;Description automatically generated">
+            <a:extLst>
+              <a:ext uri="{FF2B5EF4-FFF2-40B4-BE49-F238E27FC236}">
+                <a16:creationId xmlns:a16="http://schemas.microsoft.com/office/drawing/2014/main" id="{6869573A-0392-48AA-A602-B4005F09EF0F}"/>
+              </a:ext>
+            </a:extLst>
+          </p:cNvPr>
+          <p:cNvPicPr>
+            <a:picLocks noChangeAspect="1"/>
+          </p:cNvPicPr>
+          <p:nvPr/>
+        </p:nvPicPr>
+        <p:blipFill>
+          <a:blip r:embed="rId3">
+            <a:extLst>
+              <a:ext uri="{28A0092B-C50C-407E-A947-70E740481C1C}">
+                <a14:useLocalDpi xmlns:a14="http://schemas.microsoft.com/office/drawing/2010/main" val="0"/>
+              </a:ext>
+              <a:ext uri="{837473B0-CC2E-450A-ABE3-18F120FF3D39}">
+                <a1611:picAttrSrcUrl xmlns:a1611="http://schemas.microsoft.com/office/drawing/2016/11/main" r:id="rId4"/>
+              </a:ext>
+            </a:extLst>
+          </a:blip>
+          <a:stretch>
+            <a:fillRect/>
+          </a:stretch>
+        </p:blipFill>
+        <p:spPr>
+          <a:xfrm>
+            <a:off x="5196496" y="1662136"/>
+            <a:ext cx="5646385" cy="3533728"/>
+          </a:xfrm>
+          <a:prstGeom prst="rect">
+            <a:avLst/>
+          </a:prstGeom>
+        </p:spPr>
+      </p:pic>
+      <p:pic>
+        <p:nvPicPr>
+          <p:cNvPr id="11" name="Picture 10" descr="Diagram&#10;&#10;Description automatically generated">
+            <a:extLst>
+              <a:ext uri="{FF2B5EF4-FFF2-40B4-BE49-F238E27FC236}">
+                <a16:creationId xmlns:a16="http://schemas.microsoft.com/office/drawing/2014/main" id="{FF06B091-6390-48D3-B649-FA25DE640DF4}"/>
+              </a:ext>
+            </a:extLst>
+          </p:cNvPr>
+          <p:cNvPicPr>
+            <a:picLocks noChangeAspect="1"/>
+          </p:cNvPicPr>
+          <p:nvPr/>
+        </p:nvPicPr>
+        <p:blipFill>
+          <a:blip r:embed="rId5">
+            <a:extLst>
+              <a:ext uri="{28A0092B-C50C-407E-A947-70E740481C1C}">
+                <a14:useLocalDpi xmlns:a14="http://schemas.microsoft.com/office/drawing/2010/main" val="0"/>
+              </a:ext>
+              <a:ext uri="{837473B0-CC2E-450A-ABE3-18F120FF3D39}">
+                <a1611:picAttrSrcUrl xmlns:a1611="http://schemas.microsoft.com/office/drawing/2016/11/main" r:id="rId6"/>
+              </a:ext>
+            </a:extLst>
+          </a:blip>
+          <a:stretch>
+            <a:fillRect/>
+          </a:stretch>
+        </p:blipFill>
+        <p:spPr>
+          <a:xfrm>
+            <a:off x="5196496" y="1859768"/>
+            <a:ext cx="5664327" cy="3138464"/>
+          </a:xfrm>
+          <a:prstGeom prst="rect">
+            <a:avLst/>
+          </a:prstGeom>
+        </p:spPr>
+      </p:pic>
+      <p:pic>
+        <p:nvPicPr>
+          <p:cNvPr id="14" name="Picture 13">
+            <a:extLst>
+              <a:ext uri="{FF2B5EF4-FFF2-40B4-BE49-F238E27FC236}">
+                <a16:creationId xmlns:a16="http://schemas.microsoft.com/office/drawing/2014/main" id="{7D94C022-8F36-42A8-8604-038B4F7FA420}"/>
+              </a:ext>
+            </a:extLst>
+          </p:cNvPr>
+          <p:cNvPicPr>
+            <a:picLocks noChangeAspect="1"/>
+          </p:cNvPicPr>
+          <p:nvPr/>
+        </p:nvPicPr>
+        <p:blipFill>
+          <a:blip r:embed="rId7">
+            <a:extLst>
+              <a:ext uri="{28A0092B-C50C-407E-A947-70E740481C1C}">
+                <a14:useLocalDpi xmlns:a14="http://schemas.microsoft.com/office/drawing/2010/main" val="0"/>
+              </a:ext>
+              <a:ext uri="{837473B0-CC2E-450A-ABE3-18F120FF3D39}">
+                <a1611:picAttrSrcUrl xmlns:a1611="http://schemas.microsoft.com/office/drawing/2016/11/main" r:id="rId8"/>
+              </a:ext>
+            </a:extLst>
+          </a:blip>
+          <a:stretch>
+            <a:fillRect/>
+          </a:stretch>
+        </p:blipFill>
+        <p:spPr>
+          <a:xfrm>
+            <a:off x="6201975" y="2344406"/>
+            <a:ext cx="3653367" cy="2169187"/>
+          </a:xfrm>
+          <a:prstGeom prst="rect">
+            <a:avLst/>
+          </a:prstGeom>
+        </p:spPr>
+      </p:pic>
     </p:spTree>
     <p:extLst>
       <p:ext uri="{BB962C8B-B14F-4D97-AF65-F5344CB8AC3E}">
@@ -7099,6 +7298,421 @@
   <p:clrMapOvr>
     <a:masterClrMapping/>
   </p:clrMapOvr>
+  <p:timing>
+    <p:tnLst>
+      <p:par>
+        <p:cTn id="1" dur="indefinite" restart="never" nodeType="tmRoot">
+          <p:childTnLst>
+            <p:seq concurrent="1" nextAc="seek">
+              <p:cTn id="2" dur="indefinite" nodeType="mainSeq">
+                <p:childTnLst>
+                  <p:par>
+                    <p:cTn id="3" fill="hold">
+                      <p:stCondLst>
+                        <p:cond delay="indefinite"/>
+                      </p:stCondLst>
+                      <p:childTnLst>
+                        <p:par>
+                          <p:cTn id="4" fill="hold">
+                            <p:stCondLst>
+                              <p:cond delay="0"/>
+                            </p:stCondLst>
+                            <p:childTnLst>
+                              <p:par>
+                                <p:cTn id="5" presetID="1" presetClass="entr" presetSubtype="0" fill="hold" nodeType="clickEffect">
+                                  <p:stCondLst>
+                                    <p:cond delay="0"/>
+                                  </p:stCondLst>
+                                  <p:childTnLst>
+                                    <p:set>
+                                      <p:cBhvr>
+                                        <p:cTn id="6" dur="1" fill="hold">
+                                          <p:stCondLst>
+                                            <p:cond delay="0"/>
+                                          </p:stCondLst>
+                                        </p:cTn>
+                                        <p:tgtEl>
+                                          <p:spTgt spid="4">
+                                            <p:txEl>
+                                              <p:pRg st="0" end="0"/>
+                                            </p:txEl>
+                                          </p:spTgt>
+                                        </p:tgtEl>
+                                        <p:attrNameLst>
+                                          <p:attrName>style.visibility</p:attrName>
+                                        </p:attrNameLst>
+                                      </p:cBhvr>
+                                      <p:to>
+                                        <p:strVal val="visible"/>
+                                      </p:to>
+                                    </p:set>
+                                  </p:childTnLst>
+                                </p:cTn>
+                              </p:par>
+                              <p:par>
+                                <p:cTn id="7" presetID="1" presetClass="entr" presetSubtype="0" fill="hold" nodeType="withEffect">
+                                  <p:stCondLst>
+                                    <p:cond delay="0"/>
+                                  </p:stCondLst>
+                                  <p:childTnLst>
+                                    <p:set>
+                                      <p:cBhvr>
+                                        <p:cTn id="8" dur="1" fill="hold">
+                                          <p:stCondLst>
+                                            <p:cond delay="0"/>
+                                          </p:stCondLst>
+                                        </p:cTn>
+                                        <p:tgtEl>
+                                          <p:spTgt spid="6"/>
+                                        </p:tgtEl>
+                                        <p:attrNameLst>
+                                          <p:attrName>style.visibility</p:attrName>
+                                        </p:attrNameLst>
+                                      </p:cBhvr>
+                                      <p:to>
+                                        <p:strVal val="visible"/>
+                                      </p:to>
+                                    </p:set>
+                                  </p:childTnLst>
+                                </p:cTn>
+                              </p:par>
+                            </p:childTnLst>
+                          </p:cTn>
+                        </p:par>
+                      </p:childTnLst>
+                    </p:cTn>
+                  </p:par>
+                  <p:par>
+                    <p:cTn id="9" fill="hold">
+                      <p:stCondLst>
+                        <p:cond delay="indefinite"/>
+                      </p:stCondLst>
+                      <p:childTnLst>
+                        <p:par>
+                          <p:cTn id="10" fill="hold">
+                            <p:stCondLst>
+                              <p:cond delay="0"/>
+                            </p:stCondLst>
+                            <p:childTnLst>
+                              <p:par>
+                                <p:cTn id="11" presetID="1" presetClass="entr" presetSubtype="0" fill="hold" nodeType="clickEffect">
+                                  <p:stCondLst>
+                                    <p:cond delay="0"/>
+                                  </p:stCondLst>
+                                  <p:childTnLst>
+                                    <p:set>
+                                      <p:cBhvr>
+                                        <p:cTn id="12" dur="1" fill="hold">
+                                          <p:stCondLst>
+                                            <p:cond delay="0"/>
+                                          </p:stCondLst>
+                                        </p:cTn>
+                                        <p:tgtEl>
+                                          <p:spTgt spid="4">
+                                            <p:txEl>
+                                              <p:pRg st="1" end="1"/>
+                                            </p:txEl>
+                                          </p:spTgt>
+                                        </p:tgtEl>
+                                        <p:attrNameLst>
+                                          <p:attrName>style.visibility</p:attrName>
+                                        </p:attrNameLst>
+                                      </p:cBhvr>
+                                      <p:to>
+                                        <p:strVal val="visible"/>
+                                      </p:to>
+                                    </p:set>
+                                  </p:childTnLst>
+                                </p:cTn>
+                              </p:par>
+                              <p:par>
+                                <p:cTn id="13" presetID="1" presetClass="exit" presetSubtype="0" fill="hold" nodeType="withEffect">
+                                  <p:stCondLst>
+                                    <p:cond delay="0"/>
+                                  </p:stCondLst>
+                                  <p:childTnLst>
+                                    <p:set>
+                                      <p:cBhvr>
+                                        <p:cTn id="14" dur="1" fill="hold">
+                                          <p:stCondLst>
+                                            <p:cond delay="0"/>
+                                          </p:stCondLst>
+                                        </p:cTn>
+                                        <p:tgtEl>
+                                          <p:spTgt spid="6"/>
+                                        </p:tgtEl>
+                                        <p:attrNameLst>
+                                          <p:attrName>style.visibility</p:attrName>
+                                        </p:attrNameLst>
+                                      </p:cBhvr>
+                                      <p:to>
+                                        <p:strVal val="hidden"/>
+                                      </p:to>
+                                    </p:set>
+                                  </p:childTnLst>
+                                </p:cTn>
+                              </p:par>
+                              <p:par>
+                                <p:cTn id="15" presetID="1" presetClass="entr" presetSubtype="0" fill="hold" nodeType="withEffect">
+                                  <p:stCondLst>
+                                    <p:cond delay="0"/>
+                                  </p:stCondLst>
+                                  <p:childTnLst>
+                                    <p:set>
+                                      <p:cBhvr>
+                                        <p:cTn id="16" dur="1" fill="hold">
+                                          <p:stCondLst>
+                                            <p:cond delay="0"/>
+                                          </p:stCondLst>
+                                        </p:cTn>
+                                        <p:tgtEl>
+                                          <p:spTgt spid="8"/>
+                                        </p:tgtEl>
+                                        <p:attrNameLst>
+                                          <p:attrName>style.visibility</p:attrName>
+                                        </p:attrNameLst>
+                                      </p:cBhvr>
+                                      <p:to>
+                                        <p:strVal val="visible"/>
+                                      </p:to>
+                                    </p:set>
+                                  </p:childTnLst>
+                                </p:cTn>
+                              </p:par>
+                            </p:childTnLst>
+                          </p:cTn>
+                        </p:par>
+                      </p:childTnLst>
+                    </p:cTn>
+                  </p:par>
+                  <p:par>
+                    <p:cTn id="17" fill="hold">
+                      <p:stCondLst>
+                        <p:cond delay="indefinite"/>
+                      </p:stCondLst>
+                      <p:childTnLst>
+                        <p:par>
+                          <p:cTn id="18" fill="hold">
+                            <p:stCondLst>
+                              <p:cond delay="0"/>
+                            </p:stCondLst>
+                            <p:childTnLst>
+                              <p:par>
+                                <p:cTn id="19" presetID="1" presetClass="entr" presetSubtype="0" fill="hold" nodeType="clickEffect">
+                                  <p:stCondLst>
+                                    <p:cond delay="0"/>
+                                  </p:stCondLst>
+                                  <p:childTnLst>
+                                    <p:set>
+                                      <p:cBhvr>
+                                        <p:cTn id="20" dur="1" fill="hold">
+                                          <p:stCondLst>
+                                            <p:cond delay="0"/>
+                                          </p:stCondLst>
+                                        </p:cTn>
+                                        <p:tgtEl>
+                                          <p:spTgt spid="4">
+                                            <p:txEl>
+                                              <p:pRg st="2" end="2"/>
+                                            </p:txEl>
+                                          </p:spTgt>
+                                        </p:tgtEl>
+                                        <p:attrNameLst>
+                                          <p:attrName>style.visibility</p:attrName>
+                                        </p:attrNameLst>
+                                      </p:cBhvr>
+                                      <p:to>
+                                        <p:strVal val="visible"/>
+                                      </p:to>
+                                    </p:set>
+                                  </p:childTnLst>
+                                </p:cTn>
+                              </p:par>
+                              <p:par>
+                                <p:cTn id="21" presetID="1" presetClass="exit" presetSubtype="0" fill="hold" nodeType="withEffect">
+                                  <p:stCondLst>
+                                    <p:cond delay="0"/>
+                                  </p:stCondLst>
+                                  <p:childTnLst>
+                                    <p:set>
+                                      <p:cBhvr>
+                                        <p:cTn id="22" dur="1" fill="hold">
+                                          <p:stCondLst>
+                                            <p:cond delay="0"/>
+                                          </p:stCondLst>
+                                        </p:cTn>
+                                        <p:tgtEl>
+                                          <p:spTgt spid="8"/>
+                                        </p:tgtEl>
+                                        <p:attrNameLst>
+                                          <p:attrName>style.visibility</p:attrName>
+                                        </p:attrNameLst>
+                                      </p:cBhvr>
+                                      <p:to>
+                                        <p:strVal val="hidden"/>
+                                      </p:to>
+                                    </p:set>
+                                  </p:childTnLst>
+                                </p:cTn>
+                              </p:par>
+                              <p:par>
+                                <p:cTn id="23" presetID="1" presetClass="entr" presetSubtype="0" fill="hold" nodeType="withEffect">
+                                  <p:stCondLst>
+                                    <p:cond delay="0"/>
+                                  </p:stCondLst>
+                                  <p:childTnLst>
+                                    <p:set>
+                                      <p:cBhvr>
+                                        <p:cTn id="24" dur="1" fill="hold">
+                                          <p:stCondLst>
+                                            <p:cond delay="0"/>
+                                          </p:stCondLst>
+                                        </p:cTn>
+                                        <p:tgtEl>
+                                          <p:spTgt spid="11"/>
+                                        </p:tgtEl>
+                                        <p:attrNameLst>
+                                          <p:attrName>style.visibility</p:attrName>
+                                        </p:attrNameLst>
+                                      </p:cBhvr>
+                                      <p:to>
+                                        <p:strVal val="visible"/>
+                                      </p:to>
+                                    </p:set>
+                                  </p:childTnLst>
+                                </p:cTn>
+                              </p:par>
+                            </p:childTnLst>
+                          </p:cTn>
+                        </p:par>
+                      </p:childTnLst>
+                    </p:cTn>
+                  </p:par>
+                  <p:par>
+                    <p:cTn id="25" fill="hold">
+                      <p:stCondLst>
+                        <p:cond delay="indefinite"/>
+                      </p:stCondLst>
+                      <p:childTnLst>
+                        <p:par>
+                          <p:cTn id="26" fill="hold">
+                            <p:stCondLst>
+                              <p:cond delay="0"/>
+                            </p:stCondLst>
+                            <p:childTnLst>
+                              <p:par>
+                                <p:cTn id="27" presetID="1" presetClass="entr" presetSubtype="0" fill="hold" nodeType="clickEffect">
+                                  <p:stCondLst>
+                                    <p:cond delay="0"/>
+                                  </p:stCondLst>
+                                  <p:childTnLst>
+                                    <p:set>
+                                      <p:cBhvr>
+                                        <p:cTn id="28" dur="1" fill="hold">
+                                          <p:stCondLst>
+                                            <p:cond delay="0"/>
+                                          </p:stCondLst>
+                                        </p:cTn>
+                                        <p:tgtEl>
+                                          <p:spTgt spid="4">
+                                            <p:txEl>
+                                              <p:pRg st="3" end="3"/>
+                                            </p:txEl>
+                                          </p:spTgt>
+                                        </p:tgtEl>
+                                        <p:attrNameLst>
+                                          <p:attrName>style.visibility</p:attrName>
+                                        </p:attrNameLst>
+                                      </p:cBhvr>
+                                      <p:to>
+                                        <p:strVal val="visible"/>
+                                      </p:to>
+                                    </p:set>
+                                  </p:childTnLst>
+                                </p:cTn>
+                              </p:par>
+                              <p:par>
+                                <p:cTn id="29" presetID="1" presetClass="exit" presetSubtype="0" fill="hold" nodeType="withEffect">
+                                  <p:stCondLst>
+                                    <p:cond delay="0"/>
+                                  </p:stCondLst>
+                                  <p:childTnLst>
+                                    <p:set>
+                                      <p:cBhvr>
+                                        <p:cTn id="30" dur="1" fill="hold">
+                                          <p:stCondLst>
+                                            <p:cond delay="0"/>
+                                          </p:stCondLst>
+                                        </p:cTn>
+                                        <p:tgtEl>
+                                          <p:spTgt spid="11"/>
+                                        </p:tgtEl>
+                                        <p:attrNameLst>
+                                          <p:attrName>style.visibility</p:attrName>
+                                        </p:attrNameLst>
+                                      </p:cBhvr>
+                                      <p:to>
+                                        <p:strVal val="hidden"/>
+                                      </p:to>
+                                    </p:set>
+                                  </p:childTnLst>
+                                </p:cTn>
+                              </p:par>
+                              <p:par>
+                                <p:cTn id="31" presetID="1" presetClass="entr" presetSubtype="0" fill="hold" nodeType="withEffect">
+                                  <p:stCondLst>
+                                    <p:cond delay="0"/>
+                                  </p:stCondLst>
+                                  <p:childTnLst>
+                                    <p:set>
+                                      <p:cBhvr>
+                                        <p:cTn id="32" dur="1" fill="hold">
+                                          <p:stCondLst>
+                                            <p:cond delay="0"/>
+                                          </p:stCondLst>
+                                        </p:cTn>
+                                        <p:tgtEl>
+                                          <p:spTgt spid="14"/>
+                                        </p:tgtEl>
+                                        <p:attrNameLst>
+                                          <p:attrName>style.visibility</p:attrName>
+                                        </p:attrNameLst>
+                                      </p:cBhvr>
+                                      <p:to>
+                                        <p:strVal val="visible"/>
+                                      </p:to>
+                                    </p:set>
+                                  </p:childTnLst>
+                                </p:cTn>
+                              </p:par>
+                            </p:childTnLst>
+                          </p:cTn>
+                        </p:par>
+                      </p:childTnLst>
+                    </p:cTn>
+                  </p:par>
+                </p:childTnLst>
+              </p:cTn>
+              <p:prevCondLst>
+                <p:cond evt="onPrev" delay="0">
+                  <p:tgtEl>
+                    <p:sldTgt/>
+                  </p:tgtEl>
+                </p:cond>
+              </p:prevCondLst>
+              <p:nextCondLst>
+                <p:cond evt="onNext" delay="0">
+                  <p:tgtEl>
+                    <p:sldTgt/>
+                  </p:tgtEl>
+                </p:cond>
+              </p:nextCondLst>
+            </p:seq>
+          </p:childTnLst>
+        </p:cTn>
+      </p:par>
+    </p:tnLst>
+  </p:timing>
 </p:sld>
 </file>
 
